--- a/WindMastDataAndPowerAnalysisCurve.pptx
+++ b/WindMastDataAndPowerAnalysisCurve.pptx
@@ -14762,13 +14762,13 @@
   <p:clrMapOvr>
     <a:masterClrMapping/>
   </p:clrMapOvr>
-  <mc:AlternateContent xmlns:mc="http://schemas.openxmlformats.org/markup-compatibility/2006">
-    <mc:Choice xmlns:p14="http://schemas.microsoft.com/office/powerpoint/2010/main" Requires="p14">
+  <mc:AlternateContent xmlns:mc="http://schemas.openxmlformats.org/markup-compatibility/2006" xmlns:p14="http://schemas.microsoft.com/office/powerpoint/2010/main">
+    <mc:Choice Requires="p14">
       <p:transition spd="med" p14:dur="700">
         <p:fade/>
       </p:transition>
     </mc:Choice>
-    <mc:Fallback>
+    <mc:Fallback xmlns="">
       <p:transition spd="med">
         <p:fade/>
       </p:transition>

--- a/WindMastDataAndPowerAnalysisCurve.pptx
+++ b/WindMastDataAndPowerAnalysisCurve.pptx
@@ -6,10 +6,10 @@
     <p:sldMasterId id="2147483660" r:id="rId2"/>
   </p:sldMasterIdLst>
   <p:notesMasterIdLst>
-    <p:notesMasterId r:id="rId11"/>
+    <p:notesMasterId r:id="rId18"/>
   </p:notesMasterIdLst>
   <p:handoutMasterIdLst>
-    <p:handoutMasterId r:id="rId12"/>
+    <p:handoutMasterId r:id="rId19"/>
   </p:handoutMasterIdLst>
   <p:sldIdLst>
     <p:sldId id="256" r:id="rId3"/>
@@ -19,7 +19,14 @@
     <p:sldId id="259" r:id="rId7"/>
     <p:sldId id="260" r:id="rId8"/>
     <p:sldId id="261" r:id="rId9"/>
-    <p:sldId id="262" r:id="rId10"/>
+    <p:sldId id="269" r:id="rId10"/>
+    <p:sldId id="266" r:id="rId11"/>
+    <p:sldId id="262" r:id="rId12"/>
+    <p:sldId id="267" r:id="rId13"/>
+    <p:sldId id="268" r:id="rId14"/>
+    <p:sldId id="270" r:id="rId15"/>
+    <p:sldId id="271" r:id="rId16"/>
+    <p:sldId id="272" r:id="rId17"/>
   </p:sldIdLst>
   <p:sldSz cx="12192000" cy="6858000"/>
   <p:notesSz cx="6858000" cy="9144000"/>
@@ -149,1256 +156,6 @@
     </p:ext>
   </p:extLst>
 </p:presentation>
-</file>
-
-<file path=ppt/charts/chart1.xml><?xml version="1.0" encoding="utf-8"?>
-<c:chartSpace xmlns:c="http://schemas.openxmlformats.org/drawingml/2006/chart" xmlns:a="http://schemas.openxmlformats.org/drawingml/2006/main" xmlns:r="http://schemas.openxmlformats.org/officeDocument/2006/relationships" xmlns:c16r2="http://schemas.microsoft.com/office/drawing/2015/06/chart">
-  <c:date1904 val="0"/>
-  <c:lang val="en-US"/>
-  <c:roundedCorners val="0"/>
-  <mc:AlternateContent xmlns:mc="http://schemas.openxmlformats.org/markup-compatibility/2006">
-    <mc:Choice xmlns:c14="http://schemas.microsoft.com/office/drawing/2007/8/2/chart" Requires="c14">
-      <c14:style val="102"/>
-    </mc:Choice>
-    <mc:Fallback>
-      <c:style val="2"/>
-    </mc:Fallback>
-  </mc:AlternateContent>
-  <c:chart>
-    <c:title>
-      <c:tx>
-        <c:rich>
-          <a:bodyPr rot="0" spcFirstLastPara="1" vertOverflow="ellipsis" vert="horz" wrap="square" anchor="ctr" anchorCtr="1"/>
-          <a:lstStyle/>
-          <a:p>
-            <a:pPr>
-              <a:defRPr sz="2128" b="1" i="0" u="none" strike="noStrike" kern="1200" cap="all" spc="120" normalizeH="0" baseline="0">
-                <a:solidFill>
-                  <a:schemeClr val="tx1">
-                    <a:lumMod val="65000"/>
-                    <a:lumOff val="35000"/>
-                  </a:schemeClr>
-                </a:solidFill>
-                <a:latin typeface="+mn-lt"/>
-                <a:ea typeface="+mn-ea"/>
-                <a:cs typeface="+mn-cs"/>
-              </a:defRPr>
-            </a:pPr>
-            <a:r>
-              <a:rPr lang="en-IN" dirty="0"/>
-              <a:t>Wind mast data per month</a:t>
-            </a:r>
-          </a:p>
-        </c:rich>
-      </c:tx>
-      <c:overlay val="0"/>
-      <c:spPr>
-        <a:noFill/>
-        <a:ln>
-          <a:noFill/>
-        </a:ln>
-        <a:effectLst/>
-      </c:spPr>
-      <c:txPr>
-        <a:bodyPr rot="0" spcFirstLastPara="1" vertOverflow="ellipsis" vert="horz" wrap="square" anchor="ctr" anchorCtr="1"/>
-        <a:lstStyle/>
-        <a:p>
-          <a:pPr>
-            <a:defRPr sz="2128" b="1" i="0" u="none" strike="noStrike" kern="1200" cap="all" spc="120" normalizeH="0" baseline="0">
-              <a:solidFill>
-                <a:schemeClr val="tx1">
-                  <a:lumMod val="65000"/>
-                  <a:lumOff val="35000"/>
-                </a:schemeClr>
-              </a:solidFill>
-              <a:latin typeface="+mn-lt"/>
-              <a:ea typeface="+mn-ea"/>
-              <a:cs typeface="+mn-cs"/>
-            </a:defRPr>
-          </a:pPr>
-          <a:endParaRPr lang="en-US"/>
-        </a:p>
-      </c:txPr>
-    </c:title>
-    <c:autoTitleDeleted val="0"/>
-    <c:plotArea>
-      <c:layout/>
-      <c:lineChart>
-        <c:grouping val="standard"/>
-        <c:varyColors val="0"/>
-        <c:ser>
-          <c:idx val="0"/>
-          <c:order val="0"/>
-          <c:tx>
-            <c:strRef>
-              <c:f>Sheet1!$B$1</c:f>
-              <c:strCache>
-                <c:ptCount val="1"/>
-                <c:pt idx="0">
-                  <c:v>M1_grouped_by_month.Mast1_WS125A_Mean</c:v>
-                </c:pt>
-              </c:strCache>
-            </c:strRef>
-          </c:tx>
-          <c:spPr>
-            <a:ln w="22225" cap="rnd">
-              <a:solidFill>
-                <a:schemeClr val="accent1"/>
-              </a:solidFill>
-              <a:round/>
-            </a:ln>
-            <a:effectLst/>
-          </c:spPr>
-          <c:marker>
-            <c:symbol val="diamond"/>
-            <c:size val="6"/>
-            <c:spPr>
-              <a:solidFill>
-                <a:schemeClr val="accent1"/>
-              </a:solidFill>
-              <a:ln w="9525">
-                <a:solidFill>
-                  <a:schemeClr val="accent1"/>
-                </a:solidFill>
-                <a:round/>
-              </a:ln>
-              <a:effectLst/>
-            </c:spPr>
-          </c:marker>
-          <c:cat>
-            <c:strRef>
-              <c:f>Sheet1!$A$2:$A$13</c:f>
-              <c:strCache>
-                <c:ptCount val="12"/>
-                <c:pt idx="0">
-                  <c:v>Jan</c:v>
-                </c:pt>
-                <c:pt idx="1">
-                  <c:v>Feb</c:v>
-                </c:pt>
-                <c:pt idx="2">
-                  <c:v>Mar</c:v>
-                </c:pt>
-                <c:pt idx="3">
-                  <c:v>Apr</c:v>
-                </c:pt>
-                <c:pt idx="4">
-                  <c:v>May</c:v>
-                </c:pt>
-                <c:pt idx="5">
-                  <c:v>Jun</c:v>
-                </c:pt>
-                <c:pt idx="6">
-                  <c:v>Jul</c:v>
-                </c:pt>
-                <c:pt idx="7">
-                  <c:v>Aug</c:v>
-                </c:pt>
-                <c:pt idx="8">
-                  <c:v>Sept</c:v>
-                </c:pt>
-                <c:pt idx="9">
-                  <c:v>Oct</c:v>
-                </c:pt>
-                <c:pt idx="10">
-                  <c:v>Nov</c:v>
-                </c:pt>
-                <c:pt idx="11">
-                  <c:v>Dec</c:v>
-                </c:pt>
-              </c:strCache>
-            </c:strRef>
-          </c:cat>
-          <c:val>
-            <c:numRef>
-              <c:f>Sheet1!$B$2:$B$13</c:f>
-              <c:numCache>
-                <c:formatCode>General</c:formatCode>
-                <c:ptCount val="12"/>
-                <c:pt idx="0">
-                  <c:v>6.9910969999999999</c:v>
-                </c:pt>
-                <c:pt idx="1">
-                  <c:v>7.0878940000000004</c:v>
-                </c:pt>
-                <c:pt idx="2">
-                  <c:v>6.9769360000000002</c:v>
-                </c:pt>
-                <c:pt idx="3">
-                  <c:v>7.2360920000000002</c:v>
-                </c:pt>
-                <c:pt idx="4">
-                  <c:v>8.5013339999999999</c:v>
-                </c:pt>
-                <c:pt idx="5">
-                  <c:v>8.3604850000000006</c:v>
-                </c:pt>
-                <c:pt idx="6">
-                  <c:v>9.112876</c:v>
-                </c:pt>
-                <c:pt idx="7">
-                  <c:v>7.9194889999999996</c:v>
-                </c:pt>
-                <c:pt idx="8">
-                  <c:v>6.9010109999999996</c:v>
-                </c:pt>
-                <c:pt idx="9">
-                  <c:v>5.837358</c:v>
-                </c:pt>
-                <c:pt idx="10">
-                  <c:v>6.4786140000000003</c:v>
-                </c:pt>
-                <c:pt idx="11">
-                  <c:v>7.2540459999999998</c:v>
-                </c:pt>
-              </c:numCache>
-            </c:numRef>
-          </c:val>
-          <c:smooth val="0"/>
-          <c:extLst>
-            <c:ext xmlns:c16="http://schemas.microsoft.com/office/drawing/2014/chart" uri="{C3380CC4-5D6E-409C-BE32-E72D297353CC}">
-              <c16:uniqueId val="{00000000-14D8-4EA5-B26D-8507E5B0B026}"/>
-            </c:ext>
-          </c:extLst>
-        </c:ser>
-        <c:ser>
-          <c:idx val="1"/>
-          <c:order val="1"/>
-          <c:tx>
-            <c:strRef>
-              <c:f>Sheet1!$C$1</c:f>
-              <c:strCache>
-                <c:ptCount val="1"/>
-                <c:pt idx="0">
-                  <c:v>M1_grouped_by_month.Mast1_WS125B_Mean</c:v>
-                </c:pt>
-              </c:strCache>
-            </c:strRef>
-          </c:tx>
-          <c:spPr>
-            <a:ln w="22225" cap="rnd">
-              <a:solidFill>
-                <a:schemeClr val="accent2"/>
-              </a:solidFill>
-              <a:round/>
-            </a:ln>
-            <a:effectLst/>
-          </c:spPr>
-          <c:marker>
-            <c:symbol val="square"/>
-            <c:size val="6"/>
-            <c:spPr>
-              <a:solidFill>
-                <a:schemeClr val="accent2"/>
-              </a:solidFill>
-              <a:ln w="9525">
-                <a:solidFill>
-                  <a:schemeClr val="accent2"/>
-                </a:solidFill>
-                <a:round/>
-              </a:ln>
-              <a:effectLst/>
-            </c:spPr>
-          </c:marker>
-          <c:cat>
-            <c:strRef>
-              <c:f>Sheet1!$A$2:$A$13</c:f>
-              <c:strCache>
-                <c:ptCount val="12"/>
-                <c:pt idx="0">
-                  <c:v>Jan</c:v>
-                </c:pt>
-                <c:pt idx="1">
-                  <c:v>Feb</c:v>
-                </c:pt>
-                <c:pt idx="2">
-                  <c:v>Mar</c:v>
-                </c:pt>
-                <c:pt idx="3">
-                  <c:v>Apr</c:v>
-                </c:pt>
-                <c:pt idx="4">
-                  <c:v>May</c:v>
-                </c:pt>
-                <c:pt idx="5">
-                  <c:v>Jun</c:v>
-                </c:pt>
-                <c:pt idx="6">
-                  <c:v>Jul</c:v>
-                </c:pt>
-                <c:pt idx="7">
-                  <c:v>Aug</c:v>
-                </c:pt>
-                <c:pt idx="8">
-                  <c:v>Sept</c:v>
-                </c:pt>
-                <c:pt idx="9">
-                  <c:v>Oct</c:v>
-                </c:pt>
-                <c:pt idx="10">
-                  <c:v>Nov</c:v>
-                </c:pt>
-                <c:pt idx="11">
-                  <c:v>Dec</c:v>
-                </c:pt>
-              </c:strCache>
-            </c:strRef>
-          </c:cat>
-          <c:val>
-            <c:numRef>
-              <c:f>Sheet1!$C$2:$C$13</c:f>
-              <c:numCache>
-                <c:formatCode>General</c:formatCode>
-                <c:ptCount val="12"/>
-                <c:pt idx="0">
-                  <c:v>7.0471560000000002</c:v>
-                </c:pt>
-                <c:pt idx="1">
-                  <c:v>7.167122</c:v>
-                </c:pt>
-                <c:pt idx="2">
-                  <c:v>7.050408</c:v>
-                </c:pt>
-                <c:pt idx="3">
-                  <c:v>7.2864329999999997</c:v>
-                </c:pt>
-                <c:pt idx="4">
-                  <c:v>8.5241810000000005</c:v>
-                </c:pt>
-                <c:pt idx="5">
-                  <c:v>8.4363419999999998</c:v>
-                </c:pt>
-                <c:pt idx="6">
-                  <c:v>8.8756310000000003</c:v>
-                </c:pt>
-                <c:pt idx="7">
-                  <c:v>7.978618</c:v>
-                </c:pt>
-                <c:pt idx="8">
-                  <c:v>6.9298890000000002</c:v>
-                </c:pt>
-                <c:pt idx="9">
-                  <c:v>5.8618680000000003</c:v>
-                </c:pt>
-                <c:pt idx="10">
-                  <c:v>6.5098130000000003</c:v>
-                </c:pt>
-                <c:pt idx="11">
-                  <c:v>7.3199420000000002</c:v>
-                </c:pt>
-              </c:numCache>
-            </c:numRef>
-          </c:val>
-          <c:smooth val="0"/>
-          <c:extLst>
-            <c:ext xmlns:c16="http://schemas.microsoft.com/office/drawing/2014/chart" uri="{C3380CC4-5D6E-409C-BE32-E72D297353CC}">
-              <c16:uniqueId val="{00000001-14D8-4EA5-B26D-8507E5B0B026}"/>
-            </c:ext>
-          </c:extLst>
-        </c:ser>
-        <c:ser>
-          <c:idx val="2"/>
-          <c:order val="2"/>
-          <c:tx>
-            <c:strRef>
-              <c:f>Sheet1!$D$1</c:f>
-              <c:strCache>
-                <c:ptCount val="1"/>
-                <c:pt idx="0">
-                  <c:v>M1_grouped_by_month.Mast1_WS100_Mean</c:v>
-                </c:pt>
-              </c:strCache>
-            </c:strRef>
-          </c:tx>
-          <c:spPr>
-            <a:ln w="22225" cap="rnd">
-              <a:solidFill>
-                <a:schemeClr val="accent3"/>
-              </a:solidFill>
-              <a:round/>
-            </a:ln>
-            <a:effectLst/>
-          </c:spPr>
-          <c:marker>
-            <c:symbol val="triangle"/>
-            <c:size val="6"/>
-            <c:spPr>
-              <a:solidFill>
-                <a:schemeClr val="accent3"/>
-              </a:solidFill>
-              <a:ln w="9525">
-                <a:solidFill>
-                  <a:schemeClr val="accent3"/>
-                </a:solidFill>
-                <a:round/>
-              </a:ln>
-              <a:effectLst/>
-            </c:spPr>
-          </c:marker>
-          <c:cat>
-            <c:strRef>
-              <c:f>Sheet1!$A$2:$A$13</c:f>
-              <c:strCache>
-                <c:ptCount val="12"/>
-                <c:pt idx="0">
-                  <c:v>Jan</c:v>
-                </c:pt>
-                <c:pt idx="1">
-                  <c:v>Feb</c:v>
-                </c:pt>
-                <c:pt idx="2">
-                  <c:v>Mar</c:v>
-                </c:pt>
-                <c:pt idx="3">
-                  <c:v>Apr</c:v>
-                </c:pt>
-                <c:pt idx="4">
-                  <c:v>May</c:v>
-                </c:pt>
-                <c:pt idx="5">
-                  <c:v>Jun</c:v>
-                </c:pt>
-                <c:pt idx="6">
-                  <c:v>Jul</c:v>
-                </c:pt>
-                <c:pt idx="7">
-                  <c:v>Aug</c:v>
-                </c:pt>
-                <c:pt idx="8">
-                  <c:v>Sept</c:v>
-                </c:pt>
-                <c:pt idx="9">
-                  <c:v>Oct</c:v>
-                </c:pt>
-                <c:pt idx="10">
-                  <c:v>Nov</c:v>
-                </c:pt>
-                <c:pt idx="11">
-                  <c:v>Dec</c:v>
-                </c:pt>
-              </c:strCache>
-            </c:strRef>
-          </c:cat>
-          <c:val>
-            <c:numRef>
-              <c:f>Sheet1!$D$2:$D$13</c:f>
-              <c:numCache>
-                <c:formatCode>General</c:formatCode>
-                <c:ptCount val="12"/>
-                <c:pt idx="0">
-                  <c:v>6.8431139999999999</c:v>
-                </c:pt>
-                <c:pt idx="1">
-                  <c:v>6.8347379999999998</c:v>
-                </c:pt>
-                <c:pt idx="2">
-                  <c:v>6.8004069999999999</c:v>
-                </c:pt>
-                <c:pt idx="3">
-                  <c:v>6.7303439999999997</c:v>
-                </c:pt>
-                <c:pt idx="4">
-                  <c:v>8.2963880000000003</c:v>
-                </c:pt>
-                <c:pt idx="5">
-                  <c:v>8.5207189999999997</c:v>
-                </c:pt>
-                <c:pt idx="6">
-                  <c:v>8.6306440000000002</c:v>
-                </c:pt>
-                <c:pt idx="7">
-                  <c:v>7.742343</c:v>
-                </c:pt>
-                <c:pt idx="8">
-                  <c:v>6.6842689999999996</c:v>
-                </c:pt>
-                <c:pt idx="9">
-                  <c:v>5.5438229999999997</c:v>
-                </c:pt>
-                <c:pt idx="10">
-                  <c:v>6.0719399999999997</c:v>
-                </c:pt>
-                <c:pt idx="11">
-                  <c:v>6.9557120000000001</c:v>
-                </c:pt>
-              </c:numCache>
-            </c:numRef>
-          </c:val>
-          <c:smooth val="0"/>
-          <c:extLst>
-            <c:ext xmlns:c16="http://schemas.microsoft.com/office/drawing/2014/chart" uri="{C3380CC4-5D6E-409C-BE32-E72D297353CC}">
-              <c16:uniqueId val="{00000002-14D8-4EA5-B26D-8507E5B0B026}"/>
-            </c:ext>
-          </c:extLst>
-        </c:ser>
-        <c:dLbls>
-          <c:showLegendKey val="0"/>
-          <c:showVal val="0"/>
-          <c:showCatName val="0"/>
-          <c:showSerName val="0"/>
-          <c:showPercent val="0"/>
-          <c:showBubbleSize val="0"/>
-        </c:dLbls>
-        <c:marker val="1"/>
-        <c:smooth val="0"/>
-        <c:axId val="22195919"/>
-        <c:axId val="22192079"/>
-      </c:lineChart>
-      <c:catAx>
-        <c:axId val="22195919"/>
-        <c:scaling>
-          <c:orientation val="minMax"/>
-        </c:scaling>
-        <c:delete val="0"/>
-        <c:axPos val="b"/>
-        <c:majorGridlines>
-          <c:spPr>
-            <a:ln w="9525" cap="flat" cmpd="sng" algn="ctr">
-              <a:solidFill>
-                <a:schemeClr val="tx1">
-                  <a:lumMod val="15000"/>
-                  <a:lumOff val="85000"/>
-                </a:schemeClr>
-              </a:solidFill>
-              <a:round/>
-            </a:ln>
-            <a:effectLst/>
-          </c:spPr>
-        </c:majorGridlines>
-        <c:numFmt formatCode="General" sourceLinked="1"/>
-        <c:majorTickMark val="none"/>
-        <c:minorTickMark val="none"/>
-        <c:tickLblPos val="nextTo"/>
-        <c:spPr>
-          <a:noFill/>
-          <a:ln w="9525" cap="flat" cmpd="sng" algn="ctr">
-            <a:solidFill>
-              <a:schemeClr val="tx1">
-                <a:lumMod val="15000"/>
-                <a:lumOff val="85000"/>
-              </a:schemeClr>
-            </a:solidFill>
-            <a:round/>
-          </a:ln>
-          <a:effectLst/>
-        </c:spPr>
-        <c:txPr>
-          <a:bodyPr rot="-60000000" spcFirstLastPara="1" vertOverflow="ellipsis" vert="horz" wrap="square" anchor="ctr" anchorCtr="1"/>
-          <a:lstStyle/>
-          <a:p>
-            <a:pPr>
-              <a:defRPr sz="1064" b="0" i="0" u="none" strike="noStrike" kern="1200" cap="all" spc="120" normalizeH="0" baseline="0">
-                <a:solidFill>
-                  <a:schemeClr val="tx1">
-                    <a:lumMod val="65000"/>
-                    <a:lumOff val="35000"/>
-                  </a:schemeClr>
-                </a:solidFill>
-                <a:latin typeface="+mn-lt"/>
-                <a:ea typeface="+mn-ea"/>
-                <a:cs typeface="+mn-cs"/>
-              </a:defRPr>
-            </a:pPr>
-            <a:endParaRPr lang="en-US"/>
-          </a:p>
-        </c:txPr>
-        <c:crossAx val="22192079"/>
-        <c:crosses val="autoZero"/>
-        <c:auto val="1"/>
-        <c:lblAlgn val="ctr"/>
-        <c:lblOffset val="100"/>
-        <c:noMultiLvlLbl val="0"/>
-      </c:catAx>
-      <c:valAx>
-        <c:axId val="22192079"/>
-        <c:scaling>
-          <c:orientation val="minMax"/>
-        </c:scaling>
-        <c:delete val="0"/>
-        <c:axPos val="l"/>
-        <c:numFmt formatCode="General" sourceLinked="1"/>
-        <c:majorTickMark val="none"/>
-        <c:minorTickMark val="none"/>
-        <c:tickLblPos val="nextTo"/>
-        <c:spPr>
-          <a:noFill/>
-          <a:ln w="9525" cap="flat" cmpd="sng" algn="ctr">
-            <a:solidFill>
-              <a:schemeClr val="dk1">
-                <a:lumMod val="15000"/>
-                <a:lumOff val="85000"/>
-              </a:schemeClr>
-            </a:solidFill>
-            <a:round/>
-          </a:ln>
-          <a:effectLst/>
-        </c:spPr>
-        <c:txPr>
-          <a:bodyPr rot="-60000000" spcFirstLastPara="1" vertOverflow="ellipsis" vert="horz" wrap="square" anchor="ctr" anchorCtr="1"/>
-          <a:lstStyle/>
-          <a:p>
-            <a:pPr>
-              <a:defRPr sz="1197" b="0" i="0" u="none" strike="noStrike" kern="1200" baseline="0">
-                <a:solidFill>
-                  <a:schemeClr val="tx1">
-                    <a:lumMod val="65000"/>
-                    <a:lumOff val="35000"/>
-                  </a:schemeClr>
-                </a:solidFill>
-                <a:latin typeface="+mn-lt"/>
-                <a:ea typeface="+mn-ea"/>
-                <a:cs typeface="+mn-cs"/>
-              </a:defRPr>
-            </a:pPr>
-            <a:endParaRPr lang="en-US"/>
-          </a:p>
-        </c:txPr>
-        <c:crossAx val="22195919"/>
-        <c:crosses val="autoZero"/>
-        <c:crossBetween val="between"/>
-      </c:valAx>
-      <c:spPr>
-        <a:noFill/>
-        <a:ln>
-          <a:noFill/>
-        </a:ln>
-        <a:effectLst/>
-      </c:spPr>
-    </c:plotArea>
-    <c:legend>
-      <c:legendPos val="t"/>
-      <c:layout>
-        <c:manualLayout>
-          <c:xMode val="edge"/>
-          <c:yMode val="edge"/>
-          <c:x val="7.170603674540682E-2"/>
-          <c:y val="0.10801618801242685"/>
-          <c:w val="0.86312387422160464"/>
-          <c:h val="0.10393721904028093"/>
-        </c:manualLayout>
-      </c:layout>
-      <c:overlay val="0"/>
-      <c:spPr>
-        <a:noFill/>
-        <a:ln>
-          <a:noFill/>
-        </a:ln>
-        <a:effectLst/>
-      </c:spPr>
-      <c:txPr>
-        <a:bodyPr rot="0" spcFirstLastPara="1" vertOverflow="ellipsis" vert="horz" wrap="square" anchor="ctr" anchorCtr="1"/>
-        <a:lstStyle/>
-        <a:p>
-          <a:pPr>
-            <a:defRPr sz="1197" b="0" i="0" u="none" strike="noStrike" kern="1200" baseline="0">
-              <a:solidFill>
-                <a:schemeClr val="tx1">
-                  <a:lumMod val="65000"/>
-                  <a:lumOff val="35000"/>
-                </a:schemeClr>
-              </a:solidFill>
-              <a:latin typeface="+mn-lt"/>
-              <a:ea typeface="+mn-ea"/>
-              <a:cs typeface="+mn-cs"/>
-            </a:defRPr>
-          </a:pPr>
-          <a:endParaRPr lang="en-US"/>
-        </a:p>
-      </c:txPr>
-    </c:legend>
-    <c:plotVisOnly val="1"/>
-    <c:dispBlanksAs val="gap"/>
-    <c:extLst>
-      <c:ext xmlns:c16r3="http://schemas.microsoft.com/office/drawing/2017/03/chart" uri="{56B9EC1D-385E-4148-901F-78D8002777C0}">
-        <c16r3:dataDisplayOptions16>
-          <c16r3:dispNaAsBlank val="1"/>
-        </c16r3:dataDisplayOptions16>
-      </c:ext>
-    </c:extLst>
-    <c:showDLblsOverMax val="0"/>
-  </c:chart>
-  <c:spPr>
-    <a:noFill/>
-    <a:ln>
-      <a:noFill/>
-    </a:ln>
-    <a:effectLst/>
-  </c:spPr>
-  <c:txPr>
-    <a:bodyPr/>
-    <a:lstStyle/>
-    <a:p>
-      <a:pPr>
-        <a:defRPr/>
-      </a:pPr>
-      <a:endParaRPr lang="en-US"/>
-    </a:p>
-  </c:txPr>
-  <c:externalData r:id="rId3">
-    <c:autoUpdate val="0"/>
-  </c:externalData>
-</c:chartSpace>
-</file>
-
-<file path=ppt/charts/colors1.xml><?xml version="1.0" encoding="utf-8"?>
-<cs:colorStyle xmlns:cs="http://schemas.microsoft.com/office/drawing/2012/chartStyle" xmlns:a="http://schemas.openxmlformats.org/drawingml/2006/main" meth="cycle" id="10">
-  <a:schemeClr val="accent1"/>
-  <a:schemeClr val="accent2"/>
-  <a:schemeClr val="accent3"/>
-  <a:schemeClr val="accent4"/>
-  <a:schemeClr val="accent5"/>
-  <a:schemeClr val="accent6"/>
-  <cs:variation/>
-  <cs:variation>
-    <a:lumMod val="60000"/>
-  </cs:variation>
-  <cs:variation>
-    <a:lumMod val="80000"/>
-    <a:lumOff val="20000"/>
-  </cs:variation>
-  <cs:variation>
-    <a:lumMod val="80000"/>
-  </cs:variation>
-  <cs:variation>
-    <a:lumMod val="60000"/>
-    <a:lumOff val="40000"/>
-  </cs:variation>
-  <cs:variation>
-    <a:lumMod val="50000"/>
-  </cs:variation>
-  <cs:variation>
-    <a:lumMod val="70000"/>
-    <a:lumOff val="30000"/>
-  </cs:variation>
-  <cs:variation>
-    <a:lumMod val="70000"/>
-  </cs:variation>
-  <cs:variation>
-    <a:lumMod val="50000"/>
-    <a:lumOff val="50000"/>
-  </cs:variation>
-</cs:colorStyle>
-</file>
-
-<file path=ppt/charts/style1.xml><?xml version="1.0" encoding="utf-8"?>
-<cs:chartStyle xmlns:cs="http://schemas.microsoft.com/office/drawing/2012/chartStyle" xmlns:a="http://schemas.openxmlformats.org/drawingml/2006/main" id="239">
-  <cs:axisTitle>
-    <cs:lnRef idx="0"/>
-    <cs:fillRef idx="0"/>
-    <cs:effectRef idx="0"/>
-    <cs:fontRef idx="minor">
-      <a:schemeClr val="tx1">
-        <a:lumMod val="65000"/>
-        <a:lumOff val="35000"/>
-      </a:schemeClr>
-    </cs:fontRef>
-    <cs:defRPr sz="1197" kern="1200" cap="all"/>
-  </cs:axisTitle>
-  <cs:categoryAxis>
-    <cs:lnRef idx="0"/>
-    <cs:fillRef idx="0"/>
-    <cs:effectRef idx="0"/>
-    <cs:fontRef idx="minor">
-      <a:schemeClr val="tx1">
-        <a:lumMod val="65000"/>
-        <a:lumOff val="35000"/>
-      </a:schemeClr>
-    </cs:fontRef>
-    <cs:spPr>
-      <a:ln w="9525" cap="flat" cmpd="sng" algn="ctr">
-        <a:solidFill>
-          <a:schemeClr val="tx1">
-            <a:lumMod val="15000"/>
-            <a:lumOff val="85000"/>
-          </a:schemeClr>
-        </a:solidFill>
-        <a:round/>
-      </a:ln>
-    </cs:spPr>
-    <cs:defRPr sz="1064" kern="1200" cap="all" spc="120" normalizeH="0" baseline="0"/>
-  </cs:categoryAxis>
-  <cs:chartArea mods="allowNoFillOverride allowNoLineOverride">
-    <cs:lnRef idx="0"/>
-    <cs:fillRef idx="0"/>
-    <cs:effectRef idx="0"/>
-    <cs:fontRef idx="minor">
-      <a:schemeClr val="dk1"/>
-    </cs:fontRef>
-    <cs:spPr>
-      <a:solidFill>
-        <a:schemeClr val="lt1"/>
-      </a:solidFill>
-      <a:ln w="9525" cap="flat" cmpd="sng" algn="ctr">
-        <a:solidFill>
-          <a:schemeClr val="tx1">
-            <a:lumMod val="15000"/>
-            <a:lumOff val="85000"/>
-          </a:schemeClr>
-        </a:solidFill>
-        <a:round/>
-      </a:ln>
-    </cs:spPr>
-    <cs:defRPr sz="1197" kern="1200"/>
-  </cs:chartArea>
-  <cs:dataLabel>
-    <cs:lnRef idx="0"/>
-    <cs:fillRef idx="0"/>
-    <cs:effectRef idx="0"/>
-    <cs:fontRef idx="minor">
-      <a:schemeClr val="tx1">
-        <a:lumMod val="50000"/>
-        <a:lumOff val="50000"/>
-      </a:schemeClr>
-    </cs:fontRef>
-    <cs:defRPr sz="1197" b="0" i="0" u="none" strike="noStrike" kern="1200" baseline="0"/>
-  </cs:dataLabel>
-  <cs:dataLabelCallout>
-    <cs:lnRef idx="0"/>
-    <cs:fillRef idx="0"/>
-    <cs:effectRef idx="0"/>
-    <cs:fontRef idx="minor">
-      <a:schemeClr val="dk1">
-        <a:lumMod val="65000"/>
-        <a:lumOff val="35000"/>
-      </a:schemeClr>
-    </cs:fontRef>
-    <cs:spPr>
-      <a:solidFill>
-        <a:schemeClr val="lt1"/>
-      </a:solidFill>
-      <a:ln>
-        <a:solidFill>
-          <a:schemeClr val="dk1">
-            <a:lumMod val="25000"/>
-            <a:lumOff val="75000"/>
-          </a:schemeClr>
-        </a:solidFill>
-      </a:ln>
-    </cs:spPr>
-    <cs:defRPr sz="1197" kern="1200"/>
-    <cs:bodyPr rot="0" spcFirstLastPara="1" vertOverflow="clip" horzOverflow="clip" vert="horz" wrap="square" lIns="36576" tIns="18288" rIns="36576" bIns="18288" anchor="ctr" anchorCtr="1">
-      <a:spAutoFit/>
-    </cs:bodyPr>
-  </cs:dataLabelCallout>
-  <cs:dataPoint>
-    <cs:lnRef idx="0"/>
-    <cs:fillRef idx="0">
-      <cs:styleClr val="auto"/>
-    </cs:fillRef>
-    <cs:effectRef idx="0"/>
-    <cs:fontRef idx="minor">
-      <a:schemeClr val="dk1"/>
-    </cs:fontRef>
-    <cs:spPr>
-      <a:solidFill>
-        <a:schemeClr val="phClr"/>
-      </a:solidFill>
-    </cs:spPr>
-  </cs:dataPoint>
-  <cs:dataPoint3D>
-    <cs:lnRef idx="0"/>
-    <cs:fillRef idx="0">
-      <cs:styleClr val="auto"/>
-    </cs:fillRef>
-    <cs:effectRef idx="0"/>
-    <cs:fontRef idx="minor">
-      <a:schemeClr val="dk1"/>
-    </cs:fontRef>
-    <cs:spPr>
-      <a:solidFill>
-        <a:schemeClr val="phClr"/>
-      </a:solidFill>
-    </cs:spPr>
-  </cs:dataPoint3D>
-  <cs:dataPointLine>
-    <cs:lnRef idx="0">
-      <cs:styleClr val="auto"/>
-    </cs:lnRef>
-    <cs:fillRef idx="0"/>
-    <cs:effectRef idx="0"/>
-    <cs:fontRef idx="minor">
-      <a:schemeClr val="dk1"/>
-    </cs:fontRef>
-    <cs:spPr>
-      <a:ln w="22225" cap="rnd">
-        <a:solidFill>
-          <a:schemeClr val="phClr"/>
-        </a:solidFill>
-        <a:round/>
-      </a:ln>
-    </cs:spPr>
-  </cs:dataPointLine>
-  <cs:dataPointMarker>
-    <cs:lnRef idx="0">
-      <cs:styleClr val="auto"/>
-    </cs:lnRef>
-    <cs:fillRef idx="0">
-      <cs:styleClr val="auto"/>
-    </cs:fillRef>
-    <cs:effectRef idx="0"/>
-    <cs:fontRef idx="minor">
-      <a:schemeClr val="dk1"/>
-    </cs:fontRef>
-    <cs:spPr>
-      <a:solidFill>
-        <a:schemeClr val="phClr"/>
-      </a:solidFill>
-      <a:ln w="9525">
-        <a:solidFill>
-          <a:schemeClr val="phClr"/>
-        </a:solidFill>
-        <a:round/>
-      </a:ln>
-    </cs:spPr>
-  </cs:dataPointMarker>
-  <cs:dataPointMarkerLayout size="6"/>
-  <cs:dataPointWireframe>
-    <cs:lnRef idx="0">
-      <cs:styleClr val="auto"/>
-    </cs:lnRef>
-    <cs:fillRef idx="0"/>
-    <cs:effectRef idx="0"/>
-    <cs:fontRef idx="minor">
-      <a:schemeClr val="dk1"/>
-    </cs:fontRef>
-    <cs:spPr>
-      <a:ln w="9525" cap="rnd">
-        <a:solidFill>
-          <a:schemeClr val="phClr"/>
-        </a:solidFill>
-        <a:round/>
-      </a:ln>
-    </cs:spPr>
-  </cs:dataPointWireframe>
-  <cs:dataTable>
-    <cs:lnRef idx="0"/>
-    <cs:fillRef idx="0"/>
-    <cs:effectRef idx="0"/>
-    <cs:fontRef idx="minor">
-      <a:schemeClr val="tx1">
-        <a:lumMod val="65000"/>
-        <a:lumOff val="35000"/>
-      </a:schemeClr>
-    </cs:fontRef>
-    <cs:spPr>
-      <a:ln w="9525">
-        <a:solidFill>
-          <a:schemeClr val="tx1">
-            <a:lumMod val="15000"/>
-            <a:lumOff val="85000"/>
-          </a:schemeClr>
-        </a:solidFill>
-      </a:ln>
-    </cs:spPr>
-    <cs:defRPr sz="1197" kern="1200"/>
-  </cs:dataTable>
-  <cs:downBar>
-    <cs:lnRef idx="0"/>
-    <cs:fillRef idx="0"/>
-    <cs:effectRef idx="0"/>
-    <cs:fontRef idx="minor">
-      <a:schemeClr val="dk1"/>
-    </cs:fontRef>
-    <cs:spPr>
-      <a:solidFill>
-        <a:schemeClr val="dk1">
-          <a:lumMod val="75000"/>
-          <a:lumOff val="25000"/>
-        </a:schemeClr>
-      </a:solidFill>
-      <a:ln w="9525">
-        <a:solidFill>
-          <a:schemeClr val="tx1">
-            <a:lumMod val="15000"/>
-            <a:lumOff val="85000"/>
-          </a:schemeClr>
-        </a:solidFill>
-      </a:ln>
-    </cs:spPr>
-  </cs:downBar>
-  <cs:dropLine>
-    <cs:lnRef idx="0"/>
-    <cs:fillRef idx="0"/>
-    <cs:effectRef idx="0"/>
-    <cs:fontRef idx="minor">
-      <a:schemeClr val="dk1"/>
-    </cs:fontRef>
-    <cs:spPr>
-      <a:ln w="9525">
-        <a:solidFill>
-          <a:schemeClr val="tx1">
-            <a:lumMod val="35000"/>
-            <a:lumOff val="65000"/>
-          </a:schemeClr>
-        </a:solidFill>
-      </a:ln>
-    </cs:spPr>
-  </cs:dropLine>
-  <cs:errorBar>
-    <cs:lnRef idx="0"/>
-    <cs:fillRef idx="0"/>
-    <cs:effectRef idx="0"/>
-    <cs:fontRef idx="minor">
-      <a:schemeClr val="dk1"/>
-    </cs:fontRef>
-    <cs:spPr>
-      <a:ln w="9525">
-        <a:solidFill>
-          <a:schemeClr val="tx1">
-            <a:lumMod val="65000"/>
-            <a:lumOff val="35000"/>
-          </a:schemeClr>
-        </a:solidFill>
-        <a:round/>
-      </a:ln>
-    </cs:spPr>
-  </cs:errorBar>
-  <cs:floor>
-    <cs:lnRef idx="0"/>
-    <cs:fillRef idx="0"/>
-    <cs:effectRef idx="0"/>
-    <cs:fontRef idx="minor">
-      <a:schemeClr val="dk1"/>
-    </cs:fontRef>
-  </cs:floor>
-  <cs:gridlineMajor>
-    <cs:lnRef idx="0"/>
-    <cs:fillRef idx="0"/>
-    <cs:effectRef idx="0"/>
-    <cs:fontRef idx="minor">
-      <a:schemeClr val="dk1"/>
-    </cs:fontRef>
-    <cs:spPr>
-      <a:ln w="9525" cap="flat" cmpd="sng" algn="ctr">
-        <a:solidFill>
-          <a:schemeClr val="tx1">
-            <a:lumMod val="15000"/>
-            <a:lumOff val="85000"/>
-          </a:schemeClr>
-        </a:solidFill>
-        <a:round/>
-      </a:ln>
-    </cs:spPr>
-  </cs:gridlineMajor>
-  <cs:gridlineMinor>
-    <cs:lnRef idx="0"/>
-    <cs:fillRef idx="0"/>
-    <cs:effectRef idx="0"/>
-    <cs:fontRef idx="minor">
-      <a:schemeClr val="dk1"/>
-    </cs:fontRef>
-    <cs:spPr>
-      <a:ln>
-        <a:solidFill>
-          <a:schemeClr val="tx1">
-            <a:lumMod val="5000"/>
-            <a:lumOff val="95000"/>
-          </a:schemeClr>
-        </a:solidFill>
-      </a:ln>
-    </cs:spPr>
-  </cs:gridlineMinor>
-  <cs:hiLoLine>
-    <cs:lnRef idx="0"/>
-    <cs:fillRef idx="0"/>
-    <cs:effectRef idx="0"/>
-    <cs:fontRef idx="minor">
-      <a:schemeClr val="dk1"/>
-    </cs:fontRef>
-    <cs:spPr>
-      <a:ln w="9525">
-        <a:solidFill>
-          <a:schemeClr val="tx1">
-            <a:lumMod val="50000"/>
-            <a:lumOff val="50000"/>
-          </a:schemeClr>
-        </a:solidFill>
-      </a:ln>
-    </cs:spPr>
-  </cs:hiLoLine>
-  <cs:leaderLine>
-    <cs:lnRef idx="0"/>
-    <cs:fillRef idx="0"/>
-    <cs:effectRef idx="0"/>
-    <cs:fontRef idx="minor">
-      <a:schemeClr val="dk1"/>
-    </cs:fontRef>
-    <cs:spPr>
-      <a:ln w="9525">
-        <a:solidFill>
-          <a:schemeClr val="tx1">
-            <a:lumMod val="35000"/>
-            <a:lumOff val="65000"/>
-          </a:schemeClr>
-        </a:solidFill>
-      </a:ln>
-    </cs:spPr>
-  </cs:leaderLine>
-  <cs:legend>
-    <cs:lnRef idx="0"/>
-    <cs:fillRef idx="0"/>
-    <cs:effectRef idx="0"/>
-    <cs:fontRef idx="minor">
-      <a:schemeClr val="tx1">
-        <a:lumMod val="65000"/>
-        <a:lumOff val="35000"/>
-      </a:schemeClr>
-    </cs:fontRef>
-    <cs:defRPr sz="1197" kern="1200"/>
-  </cs:legend>
-  <cs:plotArea mods="allowNoFillOverride allowNoLineOverride">
-    <cs:lnRef idx="0"/>
-    <cs:fillRef idx="0"/>
-    <cs:effectRef idx="0"/>
-    <cs:fontRef idx="minor">
-      <a:schemeClr val="dk1"/>
-    </cs:fontRef>
-  </cs:plotArea>
-  <cs:plotArea3D mods="allowNoFillOverride allowNoLineOverride">
-    <cs:lnRef idx="0"/>
-    <cs:fillRef idx="0"/>
-    <cs:effectRef idx="0"/>
-    <cs:fontRef idx="minor">
-      <a:schemeClr val="dk1"/>
-    </cs:fontRef>
-  </cs:plotArea3D>
-  <cs:seriesAxis>
-    <cs:lnRef idx="0"/>
-    <cs:fillRef idx="0"/>
-    <cs:effectRef idx="0"/>
-    <cs:fontRef idx="minor">
-      <a:schemeClr val="tx1">
-        <a:lumMod val="65000"/>
-        <a:lumOff val="35000"/>
-      </a:schemeClr>
-    </cs:fontRef>
-    <cs:spPr>
-      <a:ln w="9525" cap="flat" cmpd="sng" algn="ctr">
-        <a:solidFill>
-          <a:schemeClr val="tx1">
-            <a:lumMod val="15000"/>
-            <a:lumOff val="85000"/>
-          </a:schemeClr>
-        </a:solidFill>
-        <a:round/>
-      </a:ln>
-    </cs:spPr>
-    <cs:defRPr sz="1197" kern="1200"/>
-  </cs:seriesAxis>
-  <cs:seriesLine>
-    <cs:lnRef idx="0"/>
-    <cs:fillRef idx="0"/>
-    <cs:effectRef idx="0"/>
-    <cs:fontRef idx="minor">
-      <a:schemeClr val="dk1"/>
-    </cs:fontRef>
-    <cs:spPr>
-      <a:ln w="9525">
-        <a:solidFill>
-          <a:schemeClr val="tx1">
-            <a:lumMod val="35000"/>
-            <a:lumOff val="65000"/>
-          </a:schemeClr>
-        </a:solidFill>
-        <a:round/>
-      </a:ln>
-    </cs:spPr>
-  </cs:seriesLine>
-  <cs:title>
-    <cs:lnRef idx="0"/>
-    <cs:fillRef idx="0"/>
-    <cs:effectRef idx="0"/>
-    <cs:fontRef idx="minor">
-      <a:schemeClr val="tx1">
-        <a:lumMod val="65000"/>
-        <a:lumOff val="35000"/>
-      </a:schemeClr>
-    </cs:fontRef>
-    <cs:defRPr sz="2128" b="1" kern="1200" cap="all" spc="120" normalizeH="0" baseline="0"/>
-  </cs:title>
-  <cs:trendline>
-    <cs:lnRef idx="0">
-      <cs:styleClr val="auto"/>
-    </cs:lnRef>
-    <cs:fillRef idx="0"/>
-    <cs:effectRef idx="0"/>
-    <cs:fontRef idx="minor">
-      <a:schemeClr val="dk1"/>
-    </cs:fontRef>
-    <cs:spPr>
-      <a:ln w="19050" cap="rnd">
-        <a:solidFill>
-          <a:schemeClr val="phClr"/>
-        </a:solidFill>
-        <a:prstDash val="sysDash"/>
-      </a:ln>
-    </cs:spPr>
-  </cs:trendline>
-  <cs:trendlineLabel>
-    <cs:lnRef idx="0"/>
-    <cs:fillRef idx="0"/>
-    <cs:effectRef idx="0"/>
-    <cs:fontRef idx="minor">
-      <a:schemeClr val="tx1">
-        <a:lumMod val="65000"/>
-        <a:lumOff val="35000"/>
-      </a:schemeClr>
-    </cs:fontRef>
-    <cs:defRPr sz="1064" kern="1200"/>
-  </cs:trendlineLabel>
-  <cs:upBar>
-    <cs:lnRef idx="0"/>
-    <cs:fillRef idx="0"/>
-    <cs:effectRef idx="0"/>
-    <cs:fontRef idx="minor">
-      <a:schemeClr val="dk1"/>
-    </cs:fontRef>
-    <cs:spPr>
-      <a:solidFill>
-        <a:schemeClr val="lt1"/>
-      </a:solidFill>
-      <a:ln w="9525">
-        <a:solidFill>
-          <a:schemeClr val="tx1">
-            <a:lumMod val="65000"/>
-            <a:lumOff val="35000"/>
-          </a:schemeClr>
-        </a:solidFill>
-      </a:ln>
-    </cs:spPr>
-  </cs:upBar>
-  <cs:valueAxis>
-    <cs:lnRef idx="0"/>
-    <cs:fillRef idx="0"/>
-    <cs:effectRef idx="0"/>
-    <cs:fontRef idx="minor">
-      <a:schemeClr val="tx1">
-        <a:lumMod val="65000"/>
-        <a:lumOff val="35000"/>
-      </a:schemeClr>
-    </cs:fontRef>
-    <cs:spPr>
-      <a:ln w="9525" cap="flat" cmpd="sng" algn="ctr">
-        <a:solidFill>
-          <a:schemeClr val="dk1">
-            <a:lumMod val="15000"/>
-            <a:lumOff val="85000"/>
-          </a:schemeClr>
-        </a:solidFill>
-        <a:round/>
-      </a:ln>
-    </cs:spPr>
-    <cs:defRPr sz="1197" kern="1200"/>
-  </cs:valueAxis>
-  <cs:wall>
-    <cs:lnRef idx="0"/>
-    <cs:fillRef idx="0"/>
-    <cs:effectRef idx="0"/>
-    <cs:fontRef idx="minor">
-      <a:schemeClr val="dk1"/>
-    </cs:fontRef>
-  </cs:wall>
-</cs:chartStyle>
 </file>
 
 <file path=ppt/handoutMasters/handoutMaster1.xml><?xml version="1.0" encoding="utf-8"?>
@@ -11630,6 +10387,1521 @@
       <p:bldP spid="14" grpId="1" animBg="1"/>
     </p:bldLst>
   </p:timing>
+</p:sld>
+</file>
+
+<file path=ppt/slides/slide10.xml><?xml version="1.0" encoding="utf-8"?>
+<p:sld xmlns:a="http://schemas.openxmlformats.org/drawingml/2006/main" xmlns:r="http://schemas.openxmlformats.org/officeDocument/2006/relationships" xmlns:p="http://schemas.openxmlformats.org/presentationml/2006/main">
+  <p:cSld>
+    <p:spTree>
+      <p:nvGrpSpPr>
+        <p:cNvPr id="1" name=""/>
+        <p:cNvGrpSpPr/>
+        <p:nvPr/>
+      </p:nvGrpSpPr>
+      <p:grpSpPr>
+        <a:xfrm>
+          <a:off x="0" y="0"/>
+          <a:ext cx="0" cy="0"/>
+          <a:chOff x="0" y="0"/>
+          <a:chExt cx="0" cy="0"/>
+        </a:xfrm>
+      </p:grpSpPr>
+      <p:pic>
+        <p:nvPicPr>
+          <p:cNvPr id="8" name="Picture 7">
+            <a:extLst>
+              <a:ext uri="{FF2B5EF4-FFF2-40B4-BE49-F238E27FC236}">
+                <a16:creationId xmlns:a16="http://schemas.microsoft.com/office/drawing/2014/main" id="{1A0097B4-E8ED-CE4B-D0B2-7CC55EDEC7B3}"/>
+              </a:ext>
+            </a:extLst>
+          </p:cNvPr>
+          <p:cNvPicPr>
+            <a:picLocks noChangeAspect="1"/>
+          </p:cNvPicPr>
+          <p:nvPr/>
+        </p:nvPicPr>
+        <p:blipFill>
+          <a:blip r:embed="rId2">
+            <a:extLst>
+              <a:ext uri="{28A0092B-C50C-407E-A947-70E740481C1C}">
+                <a14:useLocalDpi xmlns:a14="http://schemas.microsoft.com/office/drawing/2010/main" val="0"/>
+              </a:ext>
+            </a:extLst>
+          </a:blip>
+          <a:stretch>
+            <a:fillRect/>
+          </a:stretch>
+        </p:blipFill>
+        <p:spPr>
+          <a:xfrm>
+            <a:off x="10866005" y="6217865"/>
+            <a:ext cx="1325995" cy="640135"/>
+          </a:xfrm>
+          <a:prstGeom prst="rect">
+            <a:avLst/>
+          </a:prstGeom>
+        </p:spPr>
+      </p:pic>
+      <p:sp>
+        <p:nvSpPr>
+          <p:cNvPr id="7" name="TextBox 6">
+            <a:extLst>
+              <a:ext uri="{FF2B5EF4-FFF2-40B4-BE49-F238E27FC236}">
+                <a16:creationId xmlns:a16="http://schemas.microsoft.com/office/drawing/2014/main" id="{50966CE9-A713-98C0-2D27-5694CEA668B4}"/>
+              </a:ext>
+            </a:extLst>
+          </p:cNvPr>
+          <p:cNvSpPr txBox="1"/>
+          <p:nvPr/>
+        </p:nvSpPr>
+        <p:spPr>
+          <a:xfrm>
+            <a:off x="383248" y="320068"/>
+            <a:ext cx="7177757" cy="523220"/>
+          </a:xfrm>
+          <a:prstGeom prst="rect">
+            <a:avLst/>
+          </a:prstGeom>
+          <a:noFill/>
+        </p:spPr>
+        <p:txBody>
+          <a:bodyPr wrap="square" rtlCol="0">
+            <a:spAutoFit/>
+          </a:bodyPr>
+          <a:lstStyle/>
+          <a:p>
+            <a:r>
+              <a:rPr lang="en-IN" sz="2800" dirty="0"/>
+              <a:t>Inference of Wind Speed with Height by year</a:t>
+            </a:r>
+          </a:p>
+        </p:txBody>
+      </p:sp>
+      <p:sp>
+        <p:nvSpPr>
+          <p:cNvPr id="10" name="TextBox 9">
+            <a:extLst>
+              <a:ext uri="{FF2B5EF4-FFF2-40B4-BE49-F238E27FC236}">
+                <a16:creationId xmlns:a16="http://schemas.microsoft.com/office/drawing/2014/main" id="{9178234A-BD4B-20A3-EB35-1667F592C2CF}"/>
+              </a:ext>
+            </a:extLst>
+          </p:cNvPr>
+          <p:cNvSpPr txBox="1"/>
+          <p:nvPr/>
+        </p:nvSpPr>
+        <p:spPr>
+          <a:xfrm>
+            <a:off x="7561005" y="2674374"/>
+            <a:ext cx="4267829" cy="2308324"/>
+          </a:xfrm>
+          <a:prstGeom prst="rect">
+            <a:avLst/>
+          </a:prstGeom>
+          <a:noFill/>
+        </p:spPr>
+        <p:txBody>
+          <a:bodyPr wrap="square" rtlCol="0">
+            <a:spAutoFit/>
+          </a:bodyPr>
+          <a:lstStyle/>
+          <a:p>
+            <a:pPr marL="285750" indent="-285750">
+              <a:buFont typeface="Arial" panose="020B0604020202020204" pitchFamily="34" charset="0"/>
+              <a:buChar char="•"/>
+            </a:pPr>
+            <a:r>
+              <a:rPr lang="en-IN" dirty="0"/>
+              <a:t>Wind speed follows same trend by year</a:t>
+            </a:r>
+          </a:p>
+          <a:p>
+            <a:pPr marL="285750" indent="-285750">
+              <a:buFont typeface="Arial" panose="020B0604020202020204" pitchFamily="34" charset="0"/>
+              <a:buChar char="•"/>
+            </a:pPr>
+            <a:r>
+              <a:rPr lang="en-IN" dirty="0"/>
+              <a:t>In 2015, 100m and 125bm sensor show erroneous trend and does not match with other sensors</a:t>
+            </a:r>
+          </a:p>
+          <a:p>
+            <a:pPr marL="285750" indent="-285750">
+              <a:buFont typeface="Arial" panose="020B0604020202020204" pitchFamily="34" charset="0"/>
+              <a:buChar char="•"/>
+            </a:pPr>
+            <a:endParaRPr lang="en-IN" dirty="0"/>
+          </a:p>
+          <a:p>
+            <a:pPr marL="285750" indent="-285750">
+              <a:buFont typeface="Arial" panose="020B0604020202020204" pitchFamily="34" charset="0"/>
+              <a:buChar char="•"/>
+            </a:pPr>
+            <a:endParaRPr lang="en-IN" dirty="0"/>
+          </a:p>
+          <a:p>
+            <a:pPr marL="285750" indent="-285750">
+              <a:buFont typeface="Arial" panose="020B0604020202020204" pitchFamily="34" charset="0"/>
+              <a:buChar char="•"/>
+            </a:pPr>
+            <a:endParaRPr lang="en-IN" dirty="0"/>
+          </a:p>
+        </p:txBody>
+      </p:sp>
+      <p:pic>
+        <p:nvPicPr>
+          <p:cNvPr id="13" name="Picture 12">
+            <a:extLst>
+              <a:ext uri="{FF2B5EF4-FFF2-40B4-BE49-F238E27FC236}">
+                <a16:creationId xmlns:a16="http://schemas.microsoft.com/office/drawing/2014/main" id="{D9259B38-C386-F8E6-2C90-C8933A3C195A}"/>
+              </a:ext>
+            </a:extLst>
+          </p:cNvPr>
+          <p:cNvPicPr>
+            <a:picLocks noChangeAspect="1"/>
+          </p:cNvPicPr>
+          <p:nvPr/>
+        </p:nvPicPr>
+        <p:blipFill>
+          <a:blip r:embed="rId3">
+            <a:extLst>
+              <a:ext uri="{28A0092B-C50C-407E-A947-70E740481C1C}">
+                <a14:useLocalDpi xmlns:a14="http://schemas.microsoft.com/office/drawing/2010/main" val="0"/>
+              </a:ext>
+            </a:extLst>
+          </a:blip>
+          <a:stretch>
+            <a:fillRect/>
+          </a:stretch>
+        </p:blipFill>
+        <p:spPr>
+          <a:xfrm>
+            <a:off x="383248" y="889959"/>
+            <a:ext cx="6676313" cy="5529012"/>
+          </a:xfrm>
+          <a:prstGeom prst="rect">
+            <a:avLst/>
+          </a:prstGeom>
+        </p:spPr>
+      </p:pic>
+    </p:spTree>
+    <p:extLst>
+      <p:ext uri="{BB962C8B-B14F-4D97-AF65-F5344CB8AC3E}">
+        <p14:creationId xmlns:p14="http://schemas.microsoft.com/office/powerpoint/2010/main" val="3877076417"/>
+      </p:ext>
+    </p:extLst>
+  </p:cSld>
+  <p:clrMapOvr>
+    <a:masterClrMapping/>
+  </p:clrMapOvr>
+  <mc:AlternateContent xmlns:mc="http://schemas.openxmlformats.org/markup-compatibility/2006">
+    <mc:Choice xmlns:p14="http://schemas.microsoft.com/office/powerpoint/2010/main" Requires="p14">
+      <p:transition spd="med" p14:dur="700">
+        <p:fade/>
+      </p:transition>
+    </mc:Choice>
+    <mc:Fallback>
+      <p:transition spd="med">
+        <p:fade/>
+      </p:transition>
+    </mc:Fallback>
+  </mc:AlternateContent>
+</p:sld>
+</file>
+
+<file path=ppt/slides/slide11.xml><?xml version="1.0" encoding="utf-8"?>
+<p:sld xmlns:a="http://schemas.openxmlformats.org/drawingml/2006/main" xmlns:r="http://schemas.openxmlformats.org/officeDocument/2006/relationships" xmlns:p="http://schemas.openxmlformats.org/presentationml/2006/main">
+  <p:cSld>
+    <p:spTree>
+      <p:nvGrpSpPr>
+        <p:cNvPr id="1" name=""/>
+        <p:cNvGrpSpPr/>
+        <p:nvPr/>
+      </p:nvGrpSpPr>
+      <p:grpSpPr>
+        <a:xfrm>
+          <a:off x="0" y="0"/>
+          <a:ext cx="0" cy="0"/>
+          <a:chOff x="0" y="0"/>
+          <a:chExt cx="0" cy="0"/>
+        </a:xfrm>
+      </p:grpSpPr>
+      <p:pic>
+        <p:nvPicPr>
+          <p:cNvPr id="8" name="Picture 7">
+            <a:extLst>
+              <a:ext uri="{FF2B5EF4-FFF2-40B4-BE49-F238E27FC236}">
+                <a16:creationId xmlns:a16="http://schemas.microsoft.com/office/drawing/2014/main" id="{1A0097B4-E8ED-CE4B-D0B2-7CC55EDEC7B3}"/>
+              </a:ext>
+            </a:extLst>
+          </p:cNvPr>
+          <p:cNvPicPr>
+            <a:picLocks noChangeAspect="1"/>
+          </p:cNvPicPr>
+          <p:nvPr/>
+        </p:nvPicPr>
+        <p:blipFill>
+          <a:blip r:embed="rId2">
+            <a:extLst>
+              <a:ext uri="{28A0092B-C50C-407E-A947-70E740481C1C}">
+                <a14:useLocalDpi xmlns:a14="http://schemas.microsoft.com/office/drawing/2010/main" val="0"/>
+              </a:ext>
+            </a:extLst>
+          </a:blip>
+          <a:stretch>
+            <a:fillRect/>
+          </a:stretch>
+        </p:blipFill>
+        <p:spPr>
+          <a:xfrm>
+            <a:off x="10866005" y="6217865"/>
+            <a:ext cx="1325995" cy="640135"/>
+          </a:xfrm>
+          <a:prstGeom prst="rect">
+            <a:avLst/>
+          </a:prstGeom>
+        </p:spPr>
+      </p:pic>
+      <p:sp>
+        <p:nvSpPr>
+          <p:cNvPr id="7" name="TextBox 6">
+            <a:extLst>
+              <a:ext uri="{FF2B5EF4-FFF2-40B4-BE49-F238E27FC236}">
+                <a16:creationId xmlns:a16="http://schemas.microsoft.com/office/drawing/2014/main" id="{50966CE9-A713-98C0-2D27-5694CEA668B4}"/>
+              </a:ext>
+            </a:extLst>
+          </p:cNvPr>
+          <p:cNvSpPr txBox="1"/>
+          <p:nvPr/>
+        </p:nvSpPr>
+        <p:spPr>
+          <a:xfrm>
+            <a:off x="383248" y="320068"/>
+            <a:ext cx="9217952" cy="523220"/>
+          </a:xfrm>
+          <a:prstGeom prst="rect">
+            <a:avLst/>
+          </a:prstGeom>
+          <a:noFill/>
+        </p:spPr>
+        <p:txBody>
+          <a:bodyPr wrap="square" rtlCol="0">
+            <a:spAutoFit/>
+          </a:bodyPr>
+          <a:lstStyle/>
+          <a:p>
+            <a:r>
+              <a:rPr lang="en-IN" sz="2800" dirty="0"/>
+              <a:t>Inference of Wind Speed among 125m and 100m Sensors</a:t>
+            </a:r>
+          </a:p>
+        </p:txBody>
+      </p:sp>
+      <p:sp>
+        <p:nvSpPr>
+          <p:cNvPr id="10" name="TextBox 9">
+            <a:extLst>
+              <a:ext uri="{FF2B5EF4-FFF2-40B4-BE49-F238E27FC236}">
+                <a16:creationId xmlns:a16="http://schemas.microsoft.com/office/drawing/2014/main" id="{9178234A-BD4B-20A3-EB35-1667F592C2CF}"/>
+              </a:ext>
+            </a:extLst>
+          </p:cNvPr>
+          <p:cNvSpPr txBox="1"/>
+          <p:nvPr/>
+        </p:nvSpPr>
+        <p:spPr>
+          <a:xfrm>
+            <a:off x="7561005" y="2963588"/>
+            <a:ext cx="4267829" cy="1754326"/>
+          </a:xfrm>
+          <a:prstGeom prst="rect">
+            <a:avLst/>
+          </a:prstGeom>
+          <a:noFill/>
+        </p:spPr>
+        <p:txBody>
+          <a:bodyPr wrap="square" rtlCol="0">
+            <a:spAutoFit/>
+          </a:bodyPr>
+          <a:lstStyle/>
+          <a:p>
+            <a:pPr marL="285750" indent="-285750">
+              <a:buFont typeface="Arial" panose="020B0604020202020204" pitchFamily="34" charset="0"/>
+              <a:buChar char="•"/>
+            </a:pPr>
+            <a:r>
+              <a:rPr lang="en-IN" dirty="0"/>
+              <a:t>Scatterplot shows few outliers</a:t>
+            </a:r>
+          </a:p>
+          <a:p>
+            <a:pPr marL="285750" indent="-285750">
+              <a:buFont typeface="Arial" panose="020B0604020202020204" pitchFamily="34" charset="0"/>
+              <a:buChar char="•"/>
+            </a:pPr>
+            <a:r>
+              <a:rPr lang="en-IN" dirty="0"/>
+              <a:t>Since the amount of outliers are very few it is negligible</a:t>
+            </a:r>
+          </a:p>
+          <a:p>
+            <a:pPr marL="285750" indent="-285750">
+              <a:buFont typeface="Arial" panose="020B0604020202020204" pitchFamily="34" charset="0"/>
+              <a:buChar char="•"/>
+            </a:pPr>
+            <a:endParaRPr lang="en-IN" dirty="0"/>
+          </a:p>
+          <a:p>
+            <a:pPr marL="285750" indent="-285750">
+              <a:buFont typeface="Arial" panose="020B0604020202020204" pitchFamily="34" charset="0"/>
+              <a:buChar char="•"/>
+            </a:pPr>
+            <a:endParaRPr lang="en-IN" dirty="0"/>
+          </a:p>
+          <a:p>
+            <a:pPr marL="285750" indent="-285750">
+              <a:buFont typeface="Arial" panose="020B0604020202020204" pitchFamily="34" charset="0"/>
+              <a:buChar char="•"/>
+            </a:pPr>
+            <a:endParaRPr lang="en-IN" dirty="0"/>
+          </a:p>
+        </p:txBody>
+      </p:sp>
+      <p:pic>
+        <p:nvPicPr>
+          <p:cNvPr id="3" name="Picture 2">
+            <a:extLst>
+              <a:ext uri="{FF2B5EF4-FFF2-40B4-BE49-F238E27FC236}">
+                <a16:creationId xmlns:a16="http://schemas.microsoft.com/office/drawing/2014/main" id="{50E561C2-11C0-41FD-CC93-1C4397748446}"/>
+              </a:ext>
+            </a:extLst>
+          </p:cNvPr>
+          <p:cNvPicPr>
+            <a:picLocks noChangeAspect="1"/>
+          </p:cNvPicPr>
+          <p:nvPr/>
+        </p:nvPicPr>
+        <p:blipFill>
+          <a:blip r:embed="rId3">
+            <a:extLst>
+              <a:ext uri="{28A0092B-C50C-407E-A947-70E740481C1C}">
+                <a14:useLocalDpi xmlns:a14="http://schemas.microsoft.com/office/drawing/2010/main" val="0"/>
+              </a:ext>
+            </a:extLst>
+          </a:blip>
+          <a:stretch>
+            <a:fillRect/>
+          </a:stretch>
+        </p:blipFill>
+        <p:spPr>
+          <a:xfrm>
+            <a:off x="363166" y="1166620"/>
+            <a:ext cx="6582987" cy="5051245"/>
+          </a:xfrm>
+          <a:prstGeom prst="rect">
+            <a:avLst/>
+          </a:prstGeom>
+        </p:spPr>
+      </p:pic>
+      <p:sp>
+        <p:nvSpPr>
+          <p:cNvPr id="2" name="Oval 1">
+            <a:extLst>
+              <a:ext uri="{FF2B5EF4-FFF2-40B4-BE49-F238E27FC236}">
+                <a16:creationId xmlns:a16="http://schemas.microsoft.com/office/drawing/2014/main" id="{5BF1B910-D48A-7A26-3399-8BFE7AF94F07}"/>
+              </a:ext>
+            </a:extLst>
+          </p:cNvPr>
+          <p:cNvSpPr/>
+          <p:nvPr/>
+        </p:nvSpPr>
+        <p:spPr>
+          <a:xfrm>
+            <a:off x="1303560" y="4717914"/>
+            <a:ext cx="194554" cy="184825"/>
+          </a:xfrm>
+          <a:prstGeom prst="ellipse">
+            <a:avLst/>
+          </a:prstGeom>
+          <a:noFill/>
+          <a:ln>
+            <a:solidFill>
+              <a:schemeClr val="accent2">
+                <a:lumMod val="75000"/>
+              </a:schemeClr>
+            </a:solidFill>
+          </a:ln>
+        </p:spPr>
+        <p:style>
+          <a:lnRef idx="2">
+            <a:schemeClr val="accent1">
+              <a:shade val="15000"/>
+            </a:schemeClr>
+          </a:lnRef>
+          <a:fillRef idx="1">
+            <a:schemeClr val="accent1"/>
+          </a:fillRef>
+          <a:effectRef idx="0">
+            <a:schemeClr val="accent1"/>
+          </a:effectRef>
+          <a:fontRef idx="minor">
+            <a:schemeClr val="lt1"/>
+          </a:fontRef>
+        </p:style>
+        <p:txBody>
+          <a:bodyPr rtlCol="0" anchor="ctr"/>
+          <a:lstStyle/>
+          <a:p>
+            <a:pPr algn="ctr"/>
+            <a:endParaRPr lang="en-IN"/>
+          </a:p>
+        </p:txBody>
+      </p:sp>
+      <p:sp>
+        <p:nvSpPr>
+          <p:cNvPr id="4" name="Oval 3">
+            <a:extLst>
+              <a:ext uri="{FF2B5EF4-FFF2-40B4-BE49-F238E27FC236}">
+                <a16:creationId xmlns:a16="http://schemas.microsoft.com/office/drawing/2014/main" id="{14F2082E-92FC-BCB2-8530-7BF5EA5F7810}"/>
+              </a:ext>
+            </a:extLst>
+          </p:cNvPr>
+          <p:cNvSpPr/>
+          <p:nvPr/>
+        </p:nvSpPr>
+        <p:spPr>
+          <a:xfrm>
+            <a:off x="2515928" y="4717914"/>
+            <a:ext cx="426658" cy="405324"/>
+          </a:xfrm>
+          <a:prstGeom prst="ellipse">
+            <a:avLst/>
+          </a:prstGeom>
+          <a:noFill/>
+          <a:ln>
+            <a:solidFill>
+              <a:schemeClr val="accent2">
+                <a:lumMod val="75000"/>
+              </a:schemeClr>
+            </a:solidFill>
+          </a:ln>
+        </p:spPr>
+        <p:style>
+          <a:lnRef idx="2">
+            <a:schemeClr val="accent1">
+              <a:shade val="15000"/>
+            </a:schemeClr>
+          </a:lnRef>
+          <a:fillRef idx="1">
+            <a:schemeClr val="accent1"/>
+          </a:fillRef>
+          <a:effectRef idx="0">
+            <a:schemeClr val="accent1"/>
+          </a:effectRef>
+          <a:fontRef idx="minor">
+            <a:schemeClr val="lt1"/>
+          </a:fontRef>
+        </p:style>
+        <p:txBody>
+          <a:bodyPr rtlCol="0" anchor="ctr"/>
+          <a:lstStyle/>
+          <a:p>
+            <a:pPr algn="ctr"/>
+            <a:endParaRPr lang="en-IN"/>
+          </a:p>
+        </p:txBody>
+      </p:sp>
+    </p:spTree>
+    <p:extLst>
+      <p:ext uri="{BB962C8B-B14F-4D97-AF65-F5344CB8AC3E}">
+        <p14:creationId xmlns:p14="http://schemas.microsoft.com/office/powerpoint/2010/main" val="3700163315"/>
+      </p:ext>
+    </p:extLst>
+  </p:cSld>
+  <p:clrMapOvr>
+    <a:masterClrMapping/>
+  </p:clrMapOvr>
+  <mc:AlternateContent xmlns:mc="http://schemas.openxmlformats.org/markup-compatibility/2006">
+    <mc:Choice xmlns:p14="http://schemas.microsoft.com/office/powerpoint/2010/main" Requires="p14">
+      <p:transition spd="med" p14:dur="700">
+        <p:fade/>
+      </p:transition>
+    </mc:Choice>
+    <mc:Fallback>
+      <p:transition spd="med">
+        <p:fade/>
+      </p:transition>
+    </mc:Fallback>
+  </mc:AlternateContent>
+</p:sld>
+</file>
+
+<file path=ppt/slides/slide12.xml><?xml version="1.0" encoding="utf-8"?>
+<p:sld xmlns:a="http://schemas.openxmlformats.org/drawingml/2006/main" xmlns:r="http://schemas.openxmlformats.org/officeDocument/2006/relationships" xmlns:p="http://schemas.openxmlformats.org/presentationml/2006/main">
+  <p:cSld>
+    <p:spTree>
+      <p:nvGrpSpPr>
+        <p:cNvPr id="1" name=""/>
+        <p:cNvGrpSpPr/>
+        <p:nvPr/>
+      </p:nvGrpSpPr>
+      <p:grpSpPr>
+        <a:xfrm>
+          <a:off x="0" y="0"/>
+          <a:ext cx="0" cy="0"/>
+          <a:chOff x="0" y="0"/>
+          <a:chExt cx="0" cy="0"/>
+        </a:xfrm>
+      </p:grpSpPr>
+      <p:pic>
+        <p:nvPicPr>
+          <p:cNvPr id="8" name="Picture 7">
+            <a:extLst>
+              <a:ext uri="{FF2B5EF4-FFF2-40B4-BE49-F238E27FC236}">
+                <a16:creationId xmlns:a16="http://schemas.microsoft.com/office/drawing/2014/main" id="{1A0097B4-E8ED-CE4B-D0B2-7CC55EDEC7B3}"/>
+              </a:ext>
+            </a:extLst>
+          </p:cNvPr>
+          <p:cNvPicPr>
+            <a:picLocks noChangeAspect="1"/>
+          </p:cNvPicPr>
+          <p:nvPr/>
+        </p:nvPicPr>
+        <p:blipFill>
+          <a:blip r:embed="rId2">
+            <a:extLst>
+              <a:ext uri="{28A0092B-C50C-407E-A947-70E740481C1C}">
+                <a14:useLocalDpi xmlns:a14="http://schemas.microsoft.com/office/drawing/2010/main" val="0"/>
+              </a:ext>
+            </a:extLst>
+          </a:blip>
+          <a:stretch>
+            <a:fillRect/>
+          </a:stretch>
+        </p:blipFill>
+        <p:spPr>
+          <a:xfrm>
+            <a:off x="10866005" y="6217865"/>
+            <a:ext cx="1325995" cy="640135"/>
+          </a:xfrm>
+          <a:prstGeom prst="rect">
+            <a:avLst/>
+          </a:prstGeom>
+        </p:spPr>
+      </p:pic>
+      <p:sp>
+        <p:nvSpPr>
+          <p:cNvPr id="7" name="TextBox 6">
+            <a:extLst>
+              <a:ext uri="{FF2B5EF4-FFF2-40B4-BE49-F238E27FC236}">
+                <a16:creationId xmlns:a16="http://schemas.microsoft.com/office/drawing/2014/main" id="{50966CE9-A713-98C0-2D27-5694CEA668B4}"/>
+              </a:ext>
+            </a:extLst>
+          </p:cNvPr>
+          <p:cNvSpPr txBox="1"/>
+          <p:nvPr/>
+        </p:nvSpPr>
+        <p:spPr>
+          <a:xfrm>
+            <a:off x="383248" y="320068"/>
+            <a:ext cx="7177757" cy="523220"/>
+          </a:xfrm>
+          <a:prstGeom prst="rect">
+            <a:avLst/>
+          </a:prstGeom>
+          <a:noFill/>
+        </p:spPr>
+        <p:txBody>
+          <a:bodyPr wrap="square" rtlCol="0">
+            <a:spAutoFit/>
+          </a:bodyPr>
+          <a:lstStyle/>
+          <a:p>
+            <a:r>
+              <a:rPr lang="en-IN" sz="2800" dirty="0"/>
+              <a:t>Correlation of Sensors</a:t>
+            </a:r>
+          </a:p>
+        </p:txBody>
+      </p:sp>
+      <p:sp>
+        <p:nvSpPr>
+          <p:cNvPr id="10" name="TextBox 9">
+            <a:extLst>
+              <a:ext uri="{FF2B5EF4-FFF2-40B4-BE49-F238E27FC236}">
+                <a16:creationId xmlns:a16="http://schemas.microsoft.com/office/drawing/2014/main" id="{9178234A-BD4B-20A3-EB35-1667F592C2CF}"/>
+              </a:ext>
+            </a:extLst>
+          </p:cNvPr>
+          <p:cNvSpPr txBox="1"/>
+          <p:nvPr/>
+        </p:nvSpPr>
+        <p:spPr>
+          <a:xfrm>
+            <a:off x="7561005" y="2535588"/>
+            <a:ext cx="4267829" cy="2862322"/>
+          </a:xfrm>
+          <a:prstGeom prst="rect">
+            <a:avLst/>
+          </a:prstGeom>
+          <a:noFill/>
+        </p:spPr>
+        <p:txBody>
+          <a:bodyPr wrap="square" rtlCol="0">
+            <a:spAutoFit/>
+          </a:bodyPr>
+          <a:lstStyle/>
+          <a:p>
+            <a:pPr marL="285750" indent="-285750">
+              <a:buFont typeface="Arial" panose="020B0604020202020204" pitchFamily="34" charset="0"/>
+              <a:buChar char="•"/>
+            </a:pPr>
+            <a:r>
+              <a:rPr lang="en-IN" dirty="0"/>
+              <a:t>Correlation of wind speed sensors shows there is a strong correlation between sensors</a:t>
+            </a:r>
+          </a:p>
+          <a:p>
+            <a:pPr marL="285750" indent="-285750">
+              <a:buFont typeface="Arial" panose="020B0604020202020204" pitchFamily="34" charset="0"/>
+              <a:buChar char="•"/>
+            </a:pPr>
+            <a:r>
+              <a:rPr lang="en-IN" dirty="0"/>
+              <a:t>Both Wind speed sensors that is 125A and 125B have very good correlation</a:t>
+            </a:r>
+          </a:p>
+          <a:p>
+            <a:pPr marL="285750" indent="-285750">
+              <a:buFont typeface="Arial" panose="020B0604020202020204" pitchFamily="34" charset="0"/>
+              <a:buChar char="•"/>
+            </a:pPr>
+            <a:r>
+              <a:rPr lang="en-IN" dirty="0"/>
+              <a:t>This shows that there exists wind shear from the bottom to the top</a:t>
+            </a:r>
+          </a:p>
+          <a:p>
+            <a:pPr marL="285750" indent="-285750">
+              <a:buFont typeface="Arial" panose="020B0604020202020204" pitchFamily="34" charset="0"/>
+              <a:buChar char="•"/>
+            </a:pPr>
+            <a:endParaRPr lang="en-IN" dirty="0"/>
+          </a:p>
+          <a:p>
+            <a:pPr marL="285750" indent="-285750">
+              <a:buFont typeface="Arial" panose="020B0604020202020204" pitchFamily="34" charset="0"/>
+              <a:buChar char="•"/>
+            </a:pPr>
+            <a:endParaRPr lang="en-IN" dirty="0"/>
+          </a:p>
+          <a:p>
+            <a:pPr marL="285750" indent="-285750">
+              <a:buFont typeface="Arial" panose="020B0604020202020204" pitchFamily="34" charset="0"/>
+              <a:buChar char="•"/>
+            </a:pPr>
+            <a:endParaRPr lang="en-IN" dirty="0"/>
+          </a:p>
+        </p:txBody>
+      </p:sp>
+      <p:pic>
+        <p:nvPicPr>
+          <p:cNvPr id="4" name="Picture 3">
+            <a:extLst>
+              <a:ext uri="{FF2B5EF4-FFF2-40B4-BE49-F238E27FC236}">
+                <a16:creationId xmlns:a16="http://schemas.microsoft.com/office/drawing/2014/main" id="{49E98221-1E3A-2FCF-0E5D-CEE7A3CF1A9A}"/>
+              </a:ext>
+            </a:extLst>
+          </p:cNvPr>
+          <p:cNvPicPr>
+            <a:picLocks noChangeAspect="1"/>
+          </p:cNvPicPr>
+          <p:nvPr/>
+        </p:nvPicPr>
+        <p:blipFill>
+          <a:blip r:embed="rId3">
+            <a:extLst>
+              <a:ext uri="{28A0092B-C50C-407E-A947-70E740481C1C}">
+                <a14:useLocalDpi xmlns:a14="http://schemas.microsoft.com/office/drawing/2010/main" val="0"/>
+              </a:ext>
+            </a:extLst>
+          </a:blip>
+          <a:stretch>
+            <a:fillRect/>
+          </a:stretch>
+        </p:blipFill>
+        <p:spPr>
+          <a:xfrm>
+            <a:off x="383247" y="1582994"/>
+            <a:ext cx="7040107" cy="3814916"/>
+          </a:xfrm>
+          <a:prstGeom prst="rect">
+            <a:avLst/>
+          </a:prstGeom>
+        </p:spPr>
+      </p:pic>
+    </p:spTree>
+    <p:extLst>
+      <p:ext uri="{BB962C8B-B14F-4D97-AF65-F5344CB8AC3E}">
+        <p14:creationId xmlns:p14="http://schemas.microsoft.com/office/powerpoint/2010/main" val="359391274"/>
+      </p:ext>
+    </p:extLst>
+  </p:cSld>
+  <p:clrMapOvr>
+    <a:masterClrMapping/>
+  </p:clrMapOvr>
+  <mc:AlternateContent xmlns:mc="http://schemas.openxmlformats.org/markup-compatibility/2006">
+    <mc:Choice xmlns:p14="http://schemas.microsoft.com/office/powerpoint/2010/main" Requires="p14">
+      <p:transition spd="med" p14:dur="700">
+        <p:fade/>
+      </p:transition>
+    </mc:Choice>
+    <mc:Fallback>
+      <p:transition spd="med">
+        <p:fade/>
+      </p:transition>
+    </mc:Fallback>
+  </mc:AlternateContent>
+</p:sld>
+</file>
+
+<file path=ppt/slides/slide13.xml><?xml version="1.0" encoding="utf-8"?>
+<p:sld xmlns:a="http://schemas.openxmlformats.org/drawingml/2006/main" xmlns:r="http://schemas.openxmlformats.org/officeDocument/2006/relationships" xmlns:p="http://schemas.openxmlformats.org/presentationml/2006/main">
+  <p:cSld>
+    <p:spTree>
+      <p:nvGrpSpPr>
+        <p:cNvPr id="1" name=""/>
+        <p:cNvGrpSpPr/>
+        <p:nvPr/>
+      </p:nvGrpSpPr>
+      <p:grpSpPr>
+        <a:xfrm>
+          <a:off x="0" y="0"/>
+          <a:ext cx="0" cy="0"/>
+          <a:chOff x="0" y="0"/>
+          <a:chExt cx="0" cy="0"/>
+        </a:xfrm>
+      </p:grpSpPr>
+      <p:pic>
+        <p:nvPicPr>
+          <p:cNvPr id="8" name="Picture 7">
+            <a:extLst>
+              <a:ext uri="{FF2B5EF4-FFF2-40B4-BE49-F238E27FC236}">
+                <a16:creationId xmlns:a16="http://schemas.microsoft.com/office/drawing/2014/main" id="{1A0097B4-E8ED-CE4B-D0B2-7CC55EDEC7B3}"/>
+              </a:ext>
+            </a:extLst>
+          </p:cNvPr>
+          <p:cNvPicPr>
+            <a:picLocks noChangeAspect="1"/>
+          </p:cNvPicPr>
+          <p:nvPr/>
+        </p:nvPicPr>
+        <p:blipFill>
+          <a:blip r:embed="rId2">
+            <a:extLst>
+              <a:ext uri="{28A0092B-C50C-407E-A947-70E740481C1C}">
+                <a14:useLocalDpi xmlns:a14="http://schemas.microsoft.com/office/drawing/2010/main" val="0"/>
+              </a:ext>
+            </a:extLst>
+          </a:blip>
+          <a:stretch>
+            <a:fillRect/>
+          </a:stretch>
+        </p:blipFill>
+        <p:spPr>
+          <a:xfrm>
+            <a:off x="10866005" y="6217865"/>
+            <a:ext cx="1325995" cy="640135"/>
+          </a:xfrm>
+          <a:prstGeom prst="rect">
+            <a:avLst/>
+          </a:prstGeom>
+        </p:spPr>
+      </p:pic>
+      <p:sp>
+        <p:nvSpPr>
+          <p:cNvPr id="7" name="TextBox 6">
+            <a:extLst>
+              <a:ext uri="{FF2B5EF4-FFF2-40B4-BE49-F238E27FC236}">
+                <a16:creationId xmlns:a16="http://schemas.microsoft.com/office/drawing/2014/main" id="{50966CE9-A713-98C0-2D27-5694CEA668B4}"/>
+              </a:ext>
+            </a:extLst>
+          </p:cNvPr>
+          <p:cNvSpPr txBox="1"/>
+          <p:nvPr/>
+        </p:nvSpPr>
+        <p:spPr>
+          <a:xfrm>
+            <a:off x="383248" y="320068"/>
+            <a:ext cx="7177757" cy="523220"/>
+          </a:xfrm>
+          <a:prstGeom prst="rect">
+            <a:avLst/>
+          </a:prstGeom>
+          <a:noFill/>
+        </p:spPr>
+        <p:txBody>
+          <a:bodyPr wrap="square" rtlCol="0">
+            <a:spAutoFit/>
+          </a:bodyPr>
+          <a:lstStyle/>
+          <a:p>
+            <a:r>
+              <a:rPr lang="en-IN" sz="2800" dirty="0"/>
+              <a:t>Turbulence intensity plot</a:t>
+            </a:r>
+          </a:p>
+        </p:txBody>
+      </p:sp>
+      <p:sp>
+        <p:nvSpPr>
+          <p:cNvPr id="10" name="TextBox 9">
+            <a:extLst>
+              <a:ext uri="{FF2B5EF4-FFF2-40B4-BE49-F238E27FC236}">
+                <a16:creationId xmlns:a16="http://schemas.microsoft.com/office/drawing/2014/main" id="{9178234A-BD4B-20A3-EB35-1667F592C2CF}"/>
+              </a:ext>
+            </a:extLst>
+          </p:cNvPr>
+          <p:cNvSpPr txBox="1"/>
+          <p:nvPr/>
+        </p:nvSpPr>
+        <p:spPr>
+          <a:xfrm>
+            <a:off x="7274560" y="3145188"/>
+            <a:ext cx="4917440" cy="2862322"/>
+          </a:xfrm>
+          <a:prstGeom prst="rect">
+            <a:avLst/>
+          </a:prstGeom>
+          <a:noFill/>
+        </p:spPr>
+        <p:txBody>
+          <a:bodyPr wrap="square" rtlCol="0">
+            <a:spAutoFit/>
+          </a:bodyPr>
+          <a:lstStyle/>
+          <a:p>
+            <a:pPr marL="285750" indent="-285750">
+              <a:buFont typeface="Arial" panose="020B0604020202020204" pitchFamily="34" charset="0"/>
+              <a:buChar char="•"/>
+            </a:pPr>
+            <a:r>
+              <a:rPr lang="en-IN" dirty="0"/>
+              <a:t>Turbulence is irregularity in the wind flow</a:t>
+            </a:r>
+          </a:p>
+          <a:p>
+            <a:pPr marL="285750" indent="-285750">
+              <a:buFont typeface="Arial" panose="020B0604020202020204" pitchFamily="34" charset="0"/>
+              <a:buChar char="•"/>
+            </a:pPr>
+            <a:r>
+              <a:rPr lang="en-IN" dirty="0"/>
+              <a:t>Turbulence: standard deviation/mean speed</a:t>
+            </a:r>
+          </a:p>
+          <a:p>
+            <a:pPr marL="285750" indent="-285750">
+              <a:buFont typeface="Arial" panose="020B0604020202020204" pitchFamily="34" charset="0"/>
+              <a:buChar char="•"/>
+            </a:pPr>
+            <a:r>
+              <a:rPr lang="en-IN" dirty="0"/>
+              <a:t>Turbulence intensity is below 7m/s</a:t>
+            </a:r>
+          </a:p>
+          <a:p>
+            <a:pPr marL="285750" indent="-285750">
+              <a:buFont typeface="Arial" panose="020B0604020202020204" pitchFamily="34" charset="0"/>
+              <a:buChar char="•"/>
+            </a:pPr>
+            <a:r>
+              <a:rPr lang="en-IN" dirty="0"/>
+              <a:t>Turbulence is low at higher wind speeds</a:t>
+            </a:r>
+          </a:p>
+          <a:p>
+            <a:pPr marL="285750" indent="-285750">
+              <a:buFont typeface="Arial" panose="020B0604020202020204" pitchFamily="34" charset="0"/>
+              <a:buChar char="•"/>
+            </a:pPr>
+            <a:r>
+              <a:rPr lang="en-IN" dirty="0"/>
+              <a:t>Good sign to install wind turbine in the site</a:t>
+            </a:r>
+          </a:p>
+          <a:p>
+            <a:pPr marL="285750" indent="-285750">
+              <a:buFont typeface="Arial" panose="020B0604020202020204" pitchFamily="34" charset="0"/>
+              <a:buChar char="•"/>
+            </a:pPr>
+            <a:endParaRPr lang="en-IN" dirty="0"/>
+          </a:p>
+          <a:p>
+            <a:pPr marL="285750" indent="-285750">
+              <a:buFont typeface="Arial" panose="020B0604020202020204" pitchFamily="34" charset="0"/>
+              <a:buChar char="•"/>
+            </a:pPr>
+            <a:endParaRPr lang="en-IN" dirty="0"/>
+          </a:p>
+          <a:p>
+            <a:pPr marL="285750" indent="-285750">
+              <a:buFont typeface="Arial" panose="020B0604020202020204" pitchFamily="34" charset="0"/>
+              <a:buChar char="•"/>
+            </a:pPr>
+            <a:endParaRPr lang="en-IN" dirty="0"/>
+          </a:p>
+          <a:p>
+            <a:pPr marL="285750" indent="-285750">
+              <a:buFont typeface="Arial" panose="020B0604020202020204" pitchFamily="34" charset="0"/>
+              <a:buChar char="•"/>
+            </a:pPr>
+            <a:endParaRPr lang="en-IN" dirty="0"/>
+          </a:p>
+          <a:p>
+            <a:pPr marL="285750" indent="-285750">
+              <a:buFont typeface="Arial" panose="020B0604020202020204" pitchFamily="34" charset="0"/>
+              <a:buChar char="•"/>
+            </a:pPr>
+            <a:endParaRPr lang="en-IN" dirty="0"/>
+          </a:p>
+        </p:txBody>
+      </p:sp>
+      <p:pic>
+        <p:nvPicPr>
+          <p:cNvPr id="3" name="Picture 2">
+            <a:extLst>
+              <a:ext uri="{FF2B5EF4-FFF2-40B4-BE49-F238E27FC236}">
+                <a16:creationId xmlns:a16="http://schemas.microsoft.com/office/drawing/2014/main" id="{9758F7DD-2830-CA52-7DED-144258991353}"/>
+              </a:ext>
+            </a:extLst>
+          </p:cNvPr>
+          <p:cNvPicPr>
+            <a:picLocks noChangeAspect="1"/>
+          </p:cNvPicPr>
+          <p:nvPr/>
+        </p:nvPicPr>
+        <p:blipFill>
+          <a:blip r:embed="rId3">
+            <a:extLst>
+              <a:ext uri="{28A0092B-C50C-407E-A947-70E740481C1C}">
+                <a14:useLocalDpi xmlns:a14="http://schemas.microsoft.com/office/drawing/2010/main" val="0"/>
+              </a:ext>
+            </a:extLst>
+          </a:blip>
+          <a:stretch>
+            <a:fillRect/>
+          </a:stretch>
+        </p:blipFill>
+        <p:spPr>
+          <a:xfrm>
+            <a:off x="159728" y="1201829"/>
+            <a:ext cx="7014323" cy="4656567"/>
+          </a:xfrm>
+          <a:prstGeom prst="rect">
+            <a:avLst/>
+          </a:prstGeom>
+        </p:spPr>
+      </p:pic>
+      <p:cxnSp>
+        <p:nvCxnSpPr>
+          <p:cNvPr id="6" name="Straight Connector 5">
+            <a:extLst>
+              <a:ext uri="{FF2B5EF4-FFF2-40B4-BE49-F238E27FC236}">
+                <a16:creationId xmlns:a16="http://schemas.microsoft.com/office/drawing/2014/main" id="{130FE1BC-D498-4643-8508-63AB59FAD08A}"/>
+              </a:ext>
+            </a:extLst>
+          </p:cNvPr>
+          <p:cNvCxnSpPr>
+            <a:cxnSpLocks/>
+          </p:cNvCxnSpPr>
+          <p:nvPr/>
+        </p:nvCxnSpPr>
+        <p:spPr>
+          <a:xfrm flipV="1">
+            <a:off x="3911600" y="1950720"/>
+            <a:ext cx="0" cy="3490628"/>
+          </a:xfrm>
+          <a:prstGeom prst="line">
+            <a:avLst/>
+          </a:prstGeom>
+          <a:ln>
+            <a:solidFill>
+              <a:srgbClr val="FF6A47"/>
+            </a:solidFill>
+          </a:ln>
+        </p:spPr>
+        <p:style>
+          <a:lnRef idx="2">
+            <a:schemeClr val="accent1"/>
+          </a:lnRef>
+          <a:fillRef idx="0">
+            <a:schemeClr val="accent1"/>
+          </a:fillRef>
+          <a:effectRef idx="1">
+            <a:schemeClr val="accent1"/>
+          </a:effectRef>
+          <a:fontRef idx="minor">
+            <a:schemeClr val="tx1"/>
+          </a:fontRef>
+        </p:style>
+      </p:cxnSp>
+      <p:cxnSp>
+        <p:nvCxnSpPr>
+          <p:cNvPr id="11" name="Straight Connector 10">
+            <a:extLst>
+              <a:ext uri="{FF2B5EF4-FFF2-40B4-BE49-F238E27FC236}">
+                <a16:creationId xmlns:a16="http://schemas.microsoft.com/office/drawing/2014/main" id="{0CCED93D-32C2-FAA8-4E5E-B0DE6E97D827}"/>
+              </a:ext>
+            </a:extLst>
+          </p:cNvPr>
+          <p:cNvCxnSpPr>
+            <a:cxnSpLocks/>
+          </p:cNvCxnSpPr>
+          <p:nvPr/>
+        </p:nvCxnSpPr>
+        <p:spPr>
+          <a:xfrm>
+            <a:off x="383248" y="3789680"/>
+            <a:ext cx="6413792" cy="0"/>
+          </a:xfrm>
+          <a:prstGeom prst="line">
+            <a:avLst/>
+          </a:prstGeom>
+          <a:ln>
+            <a:solidFill>
+              <a:srgbClr val="FF6A47"/>
+            </a:solidFill>
+          </a:ln>
+        </p:spPr>
+        <p:style>
+          <a:lnRef idx="2">
+            <a:schemeClr val="accent1"/>
+          </a:lnRef>
+          <a:fillRef idx="0">
+            <a:schemeClr val="accent1"/>
+          </a:fillRef>
+          <a:effectRef idx="1">
+            <a:schemeClr val="accent1"/>
+          </a:effectRef>
+          <a:fontRef idx="minor">
+            <a:schemeClr val="tx1"/>
+          </a:fontRef>
+        </p:style>
+      </p:cxnSp>
+    </p:spTree>
+    <p:extLst>
+      <p:ext uri="{BB962C8B-B14F-4D97-AF65-F5344CB8AC3E}">
+        <p14:creationId xmlns:p14="http://schemas.microsoft.com/office/powerpoint/2010/main" val="4028684620"/>
+      </p:ext>
+    </p:extLst>
+  </p:cSld>
+  <p:clrMapOvr>
+    <a:masterClrMapping/>
+  </p:clrMapOvr>
+  <mc:AlternateContent xmlns:mc="http://schemas.openxmlformats.org/markup-compatibility/2006">
+    <mc:Choice xmlns:p14="http://schemas.microsoft.com/office/powerpoint/2010/main" Requires="p14">
+      <p:transition spd="med" p14:dur="700">
+        <p:fade/>
+      </p:transition>
+    </mc:Choice>
+    <mc:Fallback>
+      <p:transition spd="med">
+        <p:fade/>
+      </p:transition>
+    </mc:Fallback>
+  </mc:AlternateContent>
+</p:sld>
+</file>
+
+<file path=ppt/slides/slide14.xml><?xml version="1.0" encoding="utf-8"?>
+<p:sld xmlns:a="http://schemas.openxmlformats.org/drawingml/2006/main" xmlns:r="http://schemas.openxmlformats.org/officeDocument/2006/relationships" xmlns:p="http://schemas.openxmlformats.org/presentationml/2006/main">
+  <p:cSld>
+    <p:spTree>
+      <p:nvGrpSpPr>
+        <p:cNvPr id="1" name=""/>
+        <p:cNvGrpSpPr/>
+        <p:nvPr/>
+      </p:nvGrpSpPr>
+      <p:grpSpPr>
+        <a:xfrm>
+          <a:off x="0" y="0"/>
+          <a:ext cx="0" cy="0"/>
+          <a:chOff x="0" y="0"/>
+          <a:chExt cx="0" cy="0"/>
+        </a:xfrm>
+      </p:grpSpPr>
+      <p:pic>
+        <p:nvPicPr>
+          <p:cNvPr id="8" name="Picture 7">
+            <a:extLst>
+              <a:ext uri="{FF2B5EF4-FFF2-40B4-BE49-F238E27FC236}">
+                <a16:creationId xmlns:a16="http://schemas.microsoft.com/office/drawing/2014/main" id="{1A0097B4-E8ED-CE4B-D0B2-7CC55EDEC7B3}"/>
+              </a:ext>
+            </a:extLst>
+          </p:cNvPr>
+          <p:cNvPicPr>
+            <a:picLocks noChangeAspect="1"/>
+          </p:cNvPicPr>
+          <p:nvPr/>
+        </p:nvPicPr>
+        <p:blipFill>
+          <a:blip r:embed="rId2">
+            <a:extLst>
+              <a:ext uri="{28A0092B-C50C-407E-A947-70E740481C1C}">
+                <a14:useLocalDpi xmlns:a14="http://schemas.microsoft.com/office/drawing/2010/main" val="0"/>
+              </a:ext>
+            </a:extLst>
+          </a:blip>
+          <a:stretch>
+            <a:fillRect/>
+          </a:stretch>
+        </p:blipFill>
+        <p:spPr>
+          <a:xfrm>
+            <a:off x="10866005" y="6217865"/>
+            <a:ext cx="1325995" cy="640135"/>
+          </a:xfrm>
+          <a:prstGeom prst="rect">
+            <a:avLst/>
+          </a:prstGeom>
+        </p:spPr>
+      </p:pic>
+      <p:sp>
+        <p:nvSpPr>
+          <p:cNvPr id="7" name="TextBox 6">
+            <a:extLst>
+              <a:ext uri="{FF2B5EF4-FFF2-40B4-BE49-F238E27FC236}">
+                <a16:creationId xmlns:a16="http://schemas.microsoft.com/office/drawing/2014/main" id="{50966CE9-A713-98C0-2D27-5694CEA668B4}"/>
+              </a:ext>
+            </a:extLst>
+          </p:cNvPr>
+          <p:cNvSpPr txBox="1"/>
+          <p:nvPr/>
+        </p:nvSpPr>
+        <p:spPr>
+          <a:xfrm>
+            <a:off x="4643553" y="370868"/>
+            <a:ext cx="7177757" cy="523220"/>
+          </a:xfrm>
+          <a:prstGeom prst="rect">
+            <a:avLst/>
+          </a:prstGeom>
+          <a:noFill/>
+        </p:spPr>
+        <p:txBody>
+          <a:bodyPr wrap="square" rtlCol="0">
+            <a:spAutoFit/>
+          </a:bodyPr>
+          <a:lstStyle/>
+          <a:p>
+            <a:pPr algn="r"/>
+            <a:r>
+              <a:rPr lang="en-IN" sz="2800" dirty="0"/>
+              <a:t>Windrose and Boom orientation findings</a:t>
+            </a:r>
+          </a:p>
+        </p:txBody>
+      </p:sp>
+      <p:pic>
+        <p:nvPicPr>
+          <p:cNvPr id="4" name="Picture 3">
+            <a:extLst>
+              <a:ext uri="{FF2B5EF4-FFF2-40B4-BE49-F238E27FC236}">
+                <a16:creationId xmlns:a16="http://schemas.microsoft.com/office/drawing/2014/main" id="{F0B310F6-E8B5-DBE7-79F3-A49C19C2486A}"/>
+              </a:ext>
+            </a:extLst>
+          </p:cNvPr>
+          <p:cNvPicPr>
+            <a:picLocks noChangeAspect="1"/>
+          </p:cNvPicPr>
+          <p:nvPr/>
+        </p:nvPicPr>
+        <p:blipFill>
+          <a:blip r:embed="rId3">
+            <a:extLst>
+              <a:ext uri="{28A0092B-C50C-407E-A947-70E740481C1C}">
+                <a14:useLocalDpi xmlns:a14="http://schemas.microsoft.com/office/drawing/2010/main" val="0"/>
+              </a:ext>
+            </a:extLst>
+          </a:blip>
+          <a:stretch>
+            <a:fillRect/>
+          </a:stretch>
+        </p:blipFill>
+        <p:spPr>
+          <a:xfrm>
+            <a:off x="0" y="3248131"/>
+            <a:ext cx="3603526" cy="3609869"/>
+          </a:xfrm>
+          <a:prstGeom prst="rect">
+            <a:avLst/>
+          </a:prstGeom>
+        </p:spPr>
+      </p:pic>
+      <p:pic>
+        <p:nvPicPr>
+          <p:cNvPr id="9" name="Picture 8">
+            <a:extLst>
+              <a:ext uri="{FF2B5EF4-FFF2-40B4-BE49-F238E27FC236}">
+                <a16:creationId xmlns:a16="http://schemas.microsoft.com/office/drawing/2014/main" id="{F2804D96-6A64-5227-D52A-A2EB8140711C}"/>
+              </a:ext>
+            </a:extLst>
+          </p:cNvPr>
+          <p:cNvPicPr>
+            <a:picLocks noChangeAspect="1"/>
+          </p:cNvPicPr>
+          <p:nvPr/>
+        </p:nvPicPr>
+        <p:blipFill>
+          <a:blip r:embed="rId4">
+            <a:extLst>
+              <a:ext uri="{28A0092B-C50C-407E-A947-70E740481C1C}">
+                <a14:useLocalDpi xmlns:a14="http://schemas.microsoft.com/office/drawing/2010/main" val="0"/>
+              </a:ext>
+            </a:extLst>
+          </a:blip>
+          <a:stretch>
+            <a:fillRect/>
+          </a:stretch>
+        </p:blipFill>
+        <p:spPr>
+          <a:xfrm>
+            <a:off x="0" y="0"/>
+            <a:ext cx="3603526" cy="2745544"/>
+          </a:xfrm>
+          <a:prstGeom prst="rect">
+            <a:avLst/>
+          </a:prstGeom>
+        </p:spPr>
+      </p:pic>
+      <p:sp>
+        <p:nvSpPr>
+          <p:cNvPr id="12" name="TextBox 11">
+            <a:extLst>
+              <a:ext uri="{FF2B5EF4-FFF2-40B4-BE49-F238E27FC236}">
+                <a16:creationId xmlns:a16="http://schemas.microsoft.com/office/drawing/2014/main" id="{0A7153A6-878E-DE71-F230-9C2FA508D7A8}"/>
+              </a:ext>
+            </a:extLst>
+          </p:cNvPr>
+          <p:cNvSpPr txBox="1"/>
+          <p:nvPr/>
+        </p:nvSpPr>
+        <p:spPr>
+          <a:xfrm>
+            <a:off x="5171440" y="2682232"/>
+            <a:ext cx="6649870" cy="1754326"/>
+          </a:xfrm>
+          <a:prstGeom prst="rect">
+            <a:avLst/>
+          </a:prstGeom>
+          <a:noFill/>
+        </p:spPr>
+        <p:txBody>
+          <a:bodyPr wrap="square" rtlCol="0">
+            <a:spAutoFit/>
+          </a:bodyPr>
+          <a:lstStyle/>
+          <a:p>
+            <a:pPr marL="285750" indent="-285750">
+              <a:buFont typeface="Arial" panose="020B0604020202020204" pitchFamily="34" charset="0"/>
+              <a:buChar char="•"/>
+            </a:pPr>
+            <a:r>
+              <a:rPr lang="en-US" dirty="0"/>
+              <a:t>The boom direction of 125A and 125B sensors are found to be North-South oriented in this Mast.</a:t>
+            </a:r>
+          </a:p>
+          <a:p>
+            <a:pPr marL="285750" indent="-285750">
+              <a:buFont typeface="Arial" panose="020B0604020202020204" pitchFamily="34" charset="0"/>
+              <a:buChar char="•"/>
+            </a:pPr>
+            <a:r>
+              <a:rPr lang="en-US" dirty="0"/>
+              <a:t>The Windrose here gives information that the site has got majority of its wind coming from West and South west direction and some of the off seasonal wind coming from North-East sector</a:t>
+            </a:r>
+            <a:endParaRPr lang="en-IN" dirty="0"/>
+          </a:p>
+        </p:txBody>
+      </p:sp>
+    </p:spTree>
+    <p:extLst>
+      <p:ext uri="{BB962C8B-B14F-4D97-AF65-F5344CB8AC3E}">
+        <p14:creationId xmlns:p14="http://schemas.microsoft.com/office/powerpoint/2010/main" val="2798325436"/>
+      </p:ext>
+    </p:extLst>
+  </p:cSld>
+  <p:clrMapOvr>
+    <a:masterClrMapping/>
+  </p:clrMapOvr>
+  <p:transition spd="slow">
+    <p:push dir="d"/>
+  </p:transition>
+</p:sld>
+</file>
+
+<file path=ppt/slides/slide15.xml><?xml version="1.0" encoding="utf-8"?>
+<p:sld xmlns:a="http://schemas.openxmlformats.org/drawingml/2006/main" xmlns:r="http://schemas.openxmlformats.org/officeDocument/2006/relationships" xmlns:p="http://schemas.openxmlformats.org/presentationml/2006/main">
+  <p:cSld>
+    <p:spTree>
+      <p:nvGrpSpPr>
+        <p:cNvPr id="1" name=""/>
+        <p:cNvGrpSpPr/>
+        <p:nvPr/>
+      </p:nvGrpSpPr>
+      <p:grpSpPr>
+        <a:xfrm>
+          <a:off x="0" y="0"/>
+          <a:ext cx="0" cy="0"/>
+          <a:chOff x="0" y="0"/>
+          <a:chExt cx="0" cy="0"/>
+        </a:xfrm>
+      </p:grpSpPr>
+      <p:pic>
+        <p:nvPicPr>
+          <p:cNvPr id="8" name="Picture 7">
+            <a:extLst>
+              <a:ext uri="{FF2B5EF4-FFF2-40B4-BE49-F238E27FC236}">
+                <a16:creationId xmlns:a16="http://schemas.microsoft.com/office/drawing/2014/main" id="{1A0097B4-E8ED-CE4B-D0B2-7CC55EDEC7B3}"/>
+              </a:ext>
+            </a:extLst>
+          </p:cNvPr>
+          <p:cNvPicPr>
+            <a:picLocks noChangeAspect="1"/>
+          </p:cNvPicPr>
+          <p:nvPr/>
+        </p:nvPicPr>
+        <p:blipFill>
+          <a:blip r:embed="rId2">
+            <a:extLst>
+              <a:ext uri="{28A0092B-C50C-407E-A947-70E740481C1C}">
+                <a14:useLocalDpi xmlns:a14="http://schemas.microsoft.com/office/drawing/2010/main" val="0"/>
+              </a:ext>
+            </a:extLst>
+          </a:blip>
+          <a:stretch>
+            <a:fillRect/>
+          </a:stretch>
+        </p:blipFill>
+        <p:spPr>
+          <a:xfrm>
+            <a:off x="10866005" y="6217865"/>
+            <a:ext cx="1325995" cy="640135"/>
+          </a:xfrm>
+          <a:prstGeom prst="rect">
+            <a:avLst/>
+          </a:prstGeom>
+        </p:spPr>
+      </p:pic>
+      <p:sp>
+        <p:nvSpPr>
+          <p:cNvPr id="7" name="TextBox 6">
+            <a:extLst>
+              <a:ext uri="{FF2B5EF4-FFF2-40B4-BE49-F238E27FC236}">
+                <a16:creationId xmlns:a16="http://schemas.microsoft.com/office/drawing/2014/main" id="{50966CE9-A713-98C0-2D27-5694CEA668B4}"/>
+              </a:ext>
+            </a:extLst>
+          </p:cNvPr>
+          <p:cNvSpPr txBox="1"/>
+          <p:nvPr/>
+        </p:nvSpPr>
+        <p:spPr>
+          <a:xfrm>
+            <a:off x="4643553" y="370868"/>
+            <a:ext cx="7177757" cy="523220"/>
+          </a:xfrm>
+          <a:prstGeom prst="rect">
+            <a:avLst/>
+          </a:prstGeom>
+          <a:noFill/>
+        </p:spPr>
+        <p:txBody>
+          <a:bodyPr wrap="square" rtlCol="0">
+            <a:spAutoFit/>
+          </a:bodyPr>
+          <a:lstStyle/>
+          <a:p>
+            <a:pPr algn="r"/>
+            <a:r>
+              <a:rPr lang="en-IN" sz="2800" dirty="0"/>
+              <a:t>Windrose and Boom orientation findings</a:t>
+            </a:r>
+          </a:p>
+        </p:txBody>
+      </p:sp>
+      <p:sp>
+        <p:nvSpPr>
+          <p:cNvPr id="12" name="TextBox 11">
+            <a:extLst>
+              <a:ext uri="{FF2B5EF4-FFF2-40B4-BE49-F238E27FC236}">
+                <a16:creationId xmlns:a16="http://schemas.microsoft.com/office/drawing/2014/main" id="{0A7153A6-878E-DE71-F230-9C2FA508D7A8}"/>
+              </a:ext>
+            </a:extLst>
+          </p:cNvPr>
+          <p:cNvSpPr txBox="1"/>
+          <p:nvPr/>
+        </p:nvSpPr>
+        <p:spPr>
+          <a:xfrm>
+            <a:off x="5171440" y="2682232"/>
+            <a:ext cx="6649870" cy="1754326"/>
+          </a:xfrm>
+          <a:prstGeom prst="rect">
+            <a:avLst/>
+          </a:prstGeom>
+          <a:noFill/>
+        </p:spPr>
+        <p:txBody>
+          <a:bodyPr wrap="square" rtlCol="0">
+            <a:spAutoFit/>
+          </a:bodyPr>
+          <a:lstStyle/>
+          <a:p>
+            <a:pPr marL="285750" indent="-285750">
+              <a:buFont typeface="Arial" panose="020B0604020202020204" pitchFamily="34" charset="0"/>
+              <a:buChar char="•"/>
+            </a:pPr>
+            <a:r>
+              <a:rPr lang="en-US" dirty="0"/>
+              <a:t>The boom direction of 125A and 125B sensors are found to be North-South oriented in this Mast.</a:t>
+            </a:r>
+          </a:p>
+          <a:p>
+            <a:pPr marL="285750" indent="-285750">
+              <a:buFont typeface="Arial" panose="020B0604020202020204" pitchFamily="34" charset="0"/>
+              <a:buChar char="•"/>
+            </a:pPr>
+            <a:r>
+              <a:rPr lang="en-US" dirty="0"/>
+              <a:t>The Windrose here gives information that the site has got majority of its wind coming from West and South west direction and some of the off seasonal wind coming from North-East sector</a:t>
+            </a:r>
+            <a:endParaRPr lang="en-IN" dirty="0"/>
+          </a:p>
+        </p:txBody>
+      </p:sp>
+    </p:spTree>
+    <p:extLst>
+      <p:ext uri="{BB962C8B-B14F-4D97-AF65-F5344CB8AC3E}">
+        <p14:creationId xmlns:p14="http://schemas.microsoft.com/office/powerpoint/2010/main" val="1595775121"/>
+      </p:ext>
+    </p:extLst>
+  </p:cSld>
+  <p:clrMapOvr>
+    <a:masterClrMapping/>
+  </p:clrMapOvr>
+  <mc:AlternateContent xmlns:mc="http://schemas.openxmlformats.org/markup-compatibility/2006">
+    <mc:Choice xmlns:p14="http://schemas.microsoft.com/office/powerpoint/2010/main" Requires="p14">
+      <p:transition spd="med" p14:dur="700">
+        <p:fade/>
+      </p:transition>
+    </mc:Choice>
+    <mc:Fallback>
+      <p:transition spd="med">
+        <p:fade/>
+      </p:transition>
+    </mc:Fallback>
+  </mc:AlternateContent>
 </p:sld>
 </file>
 
@@ -13418,7 +13690,7 @@
                   <a:schemeClr val="bg1"/>
                 </a:solidFill>
               </a:rPr>
-              <a:t>In this project, we focus on the strategic placement and efficiency optimization of wind turbines, based on wind mast data and power curve analysis, to maximize energy output</a:t>
+              <a:t>In this project, we focus on the choosing the right turbine model based on wind mast data and power curve analysis, to maximize energy output.</a:t>
             </a:r>
             <a:endParaRPr lang="en-IN" b="1" dirty="0">
               <a:solidFill>
@@ -14468,7 +14740,7 @@
                   <a:schemeClr val="bg1"/>
                 </a:solidFill>
               </a:rPr>
-              <a:t>A power curve illustrates the relationship between wind speed and the electrical output of a wind turbine. It is crucial for predicting energy production and optimizing windmill placement.</a:t>
+              <a:t>A power curve illustrates the relationship between wind speed and the electrical output of a wind turbine. It is crucial for predicting energy production and optimizing wind turbine placement.</a:t>
             </a:r>
             <a:endParaRPr lang="en-IN" dirty="0">
               <a:solidFill>
@@ -14493,7 +14765,7 @@
         <p:spPr>
           <a:xfrm>
             <a:off x="545121" y="2311094"/>
-            <a:ext cx="4349973" cy="461665"/>
+            <a:ext cx="4018536" cy="461665"/>
           </a:xfrm>
           <a:prstGeom prst="rect">
             <a:avLst/>
@@ -14512,7 +14784,7 @@
                   <a:schemeClr val="bg1"/>
                 </a:solidFill>
               </a:rPr>
-              <a:t>Vendor-Provided Power Curves:</a:t>
+              <a:t>OEM Provided Power Curves:</a:t>
             </a:r>
           </a:p>
         </p:txBody>
@@ -14555,7 +14827,7 @@
                   <a:schemeClr val="bg1"/>
                 </a:solidFill>
               </a:rPr>
-              <a:t>Our project includes power curves for three windmill models provided by the vendor.</a:t>
+              <a:t>Our project includes power curves for three wind turbine models provided by the OEM.</a:t>
             </a:r>
           </a:p>
           <a:p>
@@ -14682,10 +14954,10 @@
       </p:sp>
       <p:pic>
         <p:nvPicPr>
-          <p:cNvPr id="15" name="Picture 14">
-            <a:extLst>
-              <a:ext uri="{FF2B5EF4-FFF2-40B4-BE49-F238E27FC236}">
-                <a16:creationId xmlns:a16="http://schemas.microsoft.com/office/drawing/2014/main" id="{F789E13E-7483-B9DD-15FB-AA60420B9A47}"/>
+          <p:cNvPr id="16" name="Picture 15">
+            <a:extLst>
+              <a:ext uri="{FF2B5EF4-FFF2-40B4-BE49-F238E27FC236}">
+                <a16:creationId xmlns:a16="http://schemas.microsoft.com/office/drawing/2014/main" id="{6E9E86AB-704F-2D5D-6623-4075C7C0B9A0}"/>
               </a:ext>
             </a:extLst>
           </p:cNvPr>
@@ -14696,42 +14968,6 @@
         </p:nvPicPr>
         <p:blipFill>
           <a:blip r:embed="rId4">
-            <a:extLst>
-              <a:ext uri="{28A0092B-C50C-407E-A947-70E740481C1C}">
-                <a14:useLocalDpi xmlns:a14="http://schemas.microsoft.com/office/drawing/2010/main" val="0"/>
-              </a:ext>
-            </a:extLst>
-          </a:blip>
-          <a:stretch>
-            <a:fillRect/>
-          </a:stretch>
-        </p:blipFill>
-        <p:spPr>
-          <a:xfrm>
-            <a:off x="8100791" y="1799359"/>
-            <a:ext cx="3734617" cy="2749370"/>
-          </a:xfrm>
-          <a:prstGeom prst="rect">
-            <a:avLst/>
-          </a:prstGeom>
-        </p:spPr>
-      </p:pic>
-      <p:pic>
-        <p:nvPicPr>
-          <p:cNvPr id="16" name="Picture 15">
-            <a:extLst>
-              <a:ext uri="{FF2B5EF4-FFF2-40B4-BE49-F238E27FC236}">
-                <a16:creationId xmlns:a16="http://schemas.microsoft.com/office/drawing/2014/main" id="{6E9E86AB-704F-2D5D-6623-4075C7C0B9A0}"/>
-              </a:ext>
-            </a:extLst>
-          </p:cNvPr>
-          <p:cNvPicPr>
-            <a:picLocks noChangeAspect="1"/>
-          </p:cNvPicPr>
-          <p:nvPr/>
-        </p:nvPicPr>
-        <p:blipFill>
-          <a:blip r:embed="rId5">
             <a:extLst>
               <a:ext uri="{28A0092B-C50C-407E-A947-70E740481C1C}">
                 <a14:useLocalDpi xmlns:a14="http://schemas.microsoft.com/office/drawing/2010/main" val="0"/>
@@ -14746,6 +14982,42 @@
           <a:xfrm>
             <a:off x="10866005" y="6217865"/>
             <a:ext cx="1325995" cy="640135"/>
+          </a:xfrm>
+          <a:prstGeom prst="rect">
+            <a:avLst/>
+          </a:prstGeom>
+        </p:spPr>
+      </p:pic>
+      <p:pic>
+        <p:nvPicPr>
+          <p:cNvPr id="9" name="Picture 8">
+            <a:extLst>
+              <a:ext uri="{FF2B5EF4-FFF2-40B4-BE49-F238E27FC236}">
+                <a16:creationId xmlns:a16="http://schemas.microsoft.com/office/drawing/2014/main" id="{C90C88A5-9184-A313-C820-28C097C5DDB0}"/>
+              </a:ext>
+            </a:extLst>
+          </p:cNvPr>
+          <p:cNvPicPr>
+            <a:picLocks noChangeAspect="1"/>
+          </p:cNvPicPr>
+          <p:nvPr/>
+        </p:nvPicPr>
+        <p:blipFill>
+          <a:blip r:embed="rId5">
+            <a:extLst>
+              <a:ext uri="{28A0092B-C50C-407E-A947-70E740481C1C}">
+                <a14:useLocalDpi xmlns:a14="http://schemas.microsoft.com/office/drawing/2010/main" val="0"/>
+              </a:ext>
+            </a:extLst>
+          </a:blip>
+          <a:stretch>
+            <a:fillRect/>
+          </a:stretch>
+        </p:blipFill>
+        <p:spPr>
+          <a:xfrm>
+            <a:off x="8054868" y="1684162"/>
+            <a:ext cx="3963206" cy="3095400"/>
           </a:xfrm>
           <a:prstGeom prst="rect">
             <a:avLst/>
@@ -14843,7 +15115,7 @@
                                           </p:stCondLst>
                                         </p:cTn>
                                         <p:tgtEl>
-                                          <p:spTgt spid="15"/>
+                                          <p:spTgt spid="9"/>
                                         </p:tgtEl>
                                         <p:attrNameLst>
                                           <p:attrName>style.visibility</p:attrName>
@@ -14857,7 +15129,7 @@
                                       <p:cBhvr>
                                         <p:cTn id="10" dur="500"/>
                                         <p:tgtEl>
-                                          <p:spTgt spid="15"/>
+                                          <p:spTgt spid="9"/>
                                         </p:tgtEl>
                                       </p:cBhvr>
                                     </p:animEffect>
@@ -15244,7 +15516,7 @@
         <p:spPr>
           <a:xfrm>
             <a:off x="442556" y="336807"/>
-            <a:ext cx="6643165" cy="369332"/>
+            <a:ext cx="7830990" cy="461665"/>
           </a:xfrm>
           <a:prstGeom prst="rect">
             <a:avLst/>
@@ -15257,6 +15529,58 @@
           </a:bodyPr>
           <a:lstStyle/>
           <a:p>
+            <a:r>
+              <a:rPr lang="en-IN" sz="2400" b="0" dirty="0">
+                <a:solidFill>
+                  <a:srgbClr val="ED7D31"/>
+                </a:solidFill>
+                <a:effectLst/>
+                <a:latin typeface="Consolas" panose="020B0609020204030204" pitchFamily="49" charset="0"/>
+              </a:rPr>
+              <a:t>Loading ‘Mast1_zone42_wgs84_*****_******.csv’</a:t>
+            </a:r>
+            <a:endParaRPr lang="en-IN" sz="2400" b="0" dirty="0">
+              <a:solidFill>
+                <a:srgbClr val="F6F6F6"/>
+              </a:solidFill>
+              <a:effectLst/>
+              <a:latin typeface="Consolas" panose="020B0609020204030204" pitchFamily="49" charset="0"/>
+            </a:endParaRPr>
+          </a:p>
+        </p:txBody>
+      </p:sp>
+      <p:sp>
+        <p:nvSpPr>
+          <p:cNvPr id="3" name="TextBox 2">
+            <a:extLst>
+              <a:ext uri="{FF2B5EF4-FFF2-40B4-BE49-F238E27FC236}">
+                <a16:creationId xmlns:a16="http://schemas.microsoft.com/office/drawing/2014/main" id="{CFB4980F-1BE4-8EDE-4E46-B0F557017CA1}"/>
+              </a:ext>
+            </a:extLst>
+          </p:cNvPr>
+          <p:cNvSpPr txBox="1"/>
+          <p:nvPr/>
+        </p:nvSpPr>
+        <p:spPr>
+          <a:xfrm>
+            <a:off x="668698" y="1138137"/>
+            <a:ext cx="11346321" cy="923330"/>
+          </a:xfrm>
+          <a:prstGeom prst="rect">
+            <a:avLst/>
+          </a:prstGeom>
+          <a:noFill/>
+        </p:spPr>
+        <p:txBody>
+          <a:bodyPr wrap="square" rtlCol="0">
+            <a:spAutoFit/>
+          </a:bodyPr>
+          <a:lstStyle/>
+          <a:p>
+            <a:pPr marL="285750" indent="-285750">
+              <a:buFont typeface="Arial" panose="020B0604020202020204" pitchFamily="34" charset="0"/>
+              <a:buChar char="•"/>
+            </a:pPr>
             <a:r>
               <a:rPr lang="en-IN" b="0" dirty="0">
                 <a:solidFill>
@@ -15265,18 +15589,141 @@
                 <a:effectLst/>
                 <a:latin typeface="Consolas" panose="020B0609020204030204" pitchFamily="49" charset="0"/>
               </a:rPr>
-              <a:t>Loading ‘Mast1_ zone42_wgs84_ 473066 _ 2600838.csv’</a:t>
-            </a:r>
-            <a:endParaRPr lang="en-IN" b="0" dirty="0">
+              <a:t>Source: </a:t>
+            </a:r>
+            <a:r>
+              <a:rPr lang="en-IN" b="0" dirty="0">
+                <a:solidFill>
+                  <a:schemeClr val="accent6">
+                    <a:lumMod val="60000"/>
+                    <a:lumOff val="40000"/>
+                  </a:schemeClr>
+                </a:solidFill>
+                <a:effectLst/>
+                <a:latin typeface="Consolas" panose="020B0609020204030204" pitchFamily="49" charset="0"/>
+              </a:rPr>
+              <a:t>Real time</a:t>
+            </a:r>
+            <a:r>
+              <a:rPr lang="en-IN" b="0" dirty="0">
+                <a:solidFill>
+                  <a:srgbClr val="ED7D31"/>
+                </a:solidFill>
+                <a:effectLst/>
+                <a:latin typeface="Consolas" panose="020B0609020204030204" pitchFamily="49" charset="0"/>
+              </a:rPr>
+              <a:t> meteorological mast data</a:t>
+            </a:r>
+            <a:endParaRPr lang="en-IN" dirty="0">
               <a:solidFill>
                 <a:srgbClr val="F6F6F6"/>
               </a:solidFill>
-              <a:effectLst/>
               <a:latin typeface="Consolas" panose="020B0609020204030204" pitchFamily="49" charset="0"/>
             </a:endParaRPr>
           </a:p>
-        </p:txBody>
-      </p:sp>
+          <a:p>
+            <a:pPr marL="285750" indent="-285750">
+              <a:buFont typeface="Arial" panose="020B0604020202020204" pitchFamily="34" charset="0"/>
+              <a:buChar char="•"/>
+            </a:pPr>
+            <a:r>
+              <a:rPr lang="en-IN" b="0" dirty="0">
+                <a:solidFill>
+                  <a:srgbClr val="ED7D31"/>
+                </a:solidFill>
+                <a:effectLst/>
+                <a:latin typeface="Consolas" panose="020B0609020204030204" pitchFamily="49" charset="0"/>
+              </a:rPr>
+              <a:t>How</a:t>
+            </a:r>
+            <a:r>
+              <a:rPr lang="en-IN" dirty="0">
+                <a:solidFill>
+                  <a:srgbClr val="ED7D31"/>
+                </a:solidFill>
+                <a:latin typeface="Consolas" panose="020B0609020204030204" pitchFamily="49" charset="0"/>
+              </a:rPr>
+              <a:t>: logger which logs the information every 10 minute timestamp </a:t>
+            </a:r>
+          </a:p>
+          <a:p>
+            <a:pPr marL="285750" indent="-285750">
+              <a:buFont typeface="Arial" panose="020B0604020202020204" pitchFamily="34" charset="0"/>
+              <a:buChar char="•"/>
+            </a:pPr>
+            <a:r>
+              <a:rPr lang="en-IN" b="0" dirty="0">
+                <a:solidFill>
+                  <a:srgbClr val="ED7D31"/>
+                </a:solidFill>
+                <a:effectLst/>
+                <a:latin typeface="Consolas" panose="020B0609020204030204" pitchFamily="49" charset="0"/>
+              </a:rPr>
+              <a:t>What: Wind speed, Wind direction, Temperature and Pressure</a:t>
+            </a:r>
+          </a:p>
+        </p:txBody>
+      </p:sp>
+      <p:pic>
+        <p:nvPicPr>
+          <p:cNvPr id="5" name="Picture 4">
+            <a:extLst>
+              <a:ext uri="{FF2B5EF4-FFF2-40B4-BE49-F238E27FC236}">
+                <a16:creationId xmlns:a16="http://schemas.microsoft.com/office/drawing/2014/main" id="{EC8A450F-7083-841A-CA47-AC932C2DB6F2}"/>
+              </a:ext>
+            </a:extLst>
+          </p:cNvPr>
+          <p:cNvPicPr>
+            <a:picLocks noChangeAspect="1"/>
+          </p:cNvPicPr>
+          <p:nvPr/>
+        </p:nvPicPr>
+        <p:blipFill>
+          <a:blip r:embed="rId3"/>
+          <a:stretch>
+            <a:fillRect/>
+          </a:stretch>
+        </p:blipFill>
+        <p:spPr>
+          <a:xfrm>
+            <a:off x="0" y="2315605"/>
+            <a:ext cx="12192000" cy="3902260"/>
+          </a:xfrm>
+          <a:prstGeom prst="rect">
+            <a:avLst/>
+          </a:prstGeom>
+        </p:spPr>
+      </p:pic>
+      <p:pic>
+        <p:nvPicPr>
+          <p:cNvPr id="9" name="Picture 8">
+            <a:extLst>
+              <a:ext uri="{FF2B5EF4-FFF2-40B4-BE49-F238E27FC236}">
+                <a16:creationId xmlns:a16="http://schemas.microsoft.com/office/drawing/2014/main" id="{2BC2B868-5539-309D-33C6-0B24DBF91AD1}"/>
+              </a:ext>
+            </a:extLst>
+          </p:cNvPr>
+          <p:cNvPicPr>
+            <a:picLocks noChangeAspect="1"/>
+          </p:cNvPicPr>
+          <p:nvPr/>
+        </p:nvPicPr>
+        <p:blipFill>
+          <a:blip r:embed="rId4"/>
+          <a:stretch>
+            <a:fillRect/>
+          </a:stretch>
+        </p:blipFill>
+        <p:spPr>
+          <a:xfrm>
+            <a:off x="10022524" y="336807"/>
+            <a:ext cx="1686961" cy="1517133"/>
+          </a:xfrm>
+          <a:prstGeom prst="rect">
+            <a:avLst/>
+          </a:prstGeom>
+        </p:spPr>
+      </p:pic>
     </p:spTree>
     <p:extLst>
       <p:ext uri="{BB962C8B-B14F-4D97-AF65-F5344CB8AC3E}">
@@ -15290,6 +15737,216 @@
   <p:transition spd="slow">
     <p:wipe dir="r"/>
   </p:transition>
+  <p:timing>
+    <p:tnLst>
+      <p:par>
+        <p:cTn id="1" dur="indefinite" restart="never" nodeType="tmRoot">
+          <p:childTnLst>
+            <p:seq concurrent="1" nextAc="seek">
+              <p:cTn id="2" dur="indefinite" nodeType="mainSeq">
+                <p:childTnLst>
+                  <p:par>
+                    <p:cTn id="3" fill="hold">
+                      <p:stCondLst>
+                        <p:cond delay="indefinite"/>
+                      </p:stCondLst>
+                      <p:childTnLst>
+                        <p:par>
+                          <p:cTn id="4" fill="hold">
+                            <p:stCondLst>
+                              <p:cond delay="0"/>
+                            </p:stCondLst>
+                            <p:childTnLst>
+                              <p:par>
+                                <p:cTn id="5" presetID="10" presetClass="entr" presetSubtype="0" fill="hold" grpId="0" nodeType="clickEffect">
+                                  <p:stCondLst>
+                                    <p:cond delay="0"/>
+                                  </p:stCondLst>
+                                  <p:childTnLst>
+                                    <p:set>
+                                      <p:cBhvr>
+                                        <p:cTn id="6" dur="1" fill="hold">
+                                          <p:stCondLst>
+                                            <p:cond delay="0"/>
+                                          </p:stCondLst>
+                                        </p:cTn>
+                                        <p:tgtEl>
+                                          <p:spTgt spid="2"/>
+                                        </p:tgtEl>
+                                        <p:attrNameLst>
+                                          <p:attrName>style.visibility</p:attrName>
+                                        </p:attrNameLst>
+                                      </p:cBhvr>
+                                      <p:to>
+                                        <p:strVal val="visible"/>
+                                      </p:to>
+                                    </p:set>
+                                    <p:animEffect transition="in" filter="fade">
+                                      <p:cBhvr>
+                                        <p:cTn id="7" dur="500"/>
+                                        <p:tgtEl>
+                                          <p:spTgt spid="2"/>
+                                        </p:tgtEl>
+                                      </p:cBhvr>
+                                    </p:animEffect>
+                                  </p:childTnLst>
+                                </p:cTn>
+                              </p:par>
+                              <p:par>
+                                <p:cTn id="8" presetID="10" presetClass="entr" presetSubtype="0" fill="hold" nodeType="withEffect">
+                                  <p:stCondLst>
+                                    <p:cond delay="0"/>
+                                  </p:stCondLst>
+                                  <p:childTnLst>
+                                    <p:set>
+                                      <p:cBhvr>
+                                        <p:cTn id="9" dur="1" fill="hold">
+                                          <p:stCondLst>
+                                            <p:cond delay="0"/>
+                                          </p:stCondLst>
+                                        </p:cTn>
+                                        <p:tgtEl>
+                                          <p:spTgt spid="9"/>
+                                        </p:tgtEl>
+                                        <p:attrNameLst>
+                                          <p:attrName>style.visibility</p:attrName>
+                                        </p:attrNameLst>
+                                      </p:cBhvr>
+                                      <p:to>
+                                        <p:strVal val="visible"/>
+                                      </p:to>
+                                    </p:set>
+                                    <p:animEffect transition="in" filter="fade">
+                                      <p:cBhvr>
+                                        <p:cTn id="10" dur="500"/>
+                                        <p:tgtEl>
+                                          <p:spTgt spid="9"/>
+                                        </p:tgtEl>
+                                      </p:cBhvr>
+                                    </p:animEffect>
+                                  </p:childTnLst>
+                                </p:cTn>
+                              </p:par>
+                            </p:childTnLst>
+                          </p:cTn>
+                        </p:par>
+                      </p:childTnLst>
+                    </p:cTn>
+                  </p:par>
+                  <p:par>
+                    <p:cTn id="11" fill="hold">
+                      <p:stCondLst>
+                        <p:cond delay="indefinite"/>
+                      </p:stCondLst>
+                      <p:childTnLst>
+                        <p:par>
+                          <p:cTn id="12" fill="hold">
+                            <p:stCondLst>
+                              <p:cond delay="0"/>
+                            </p:stCondLst>
+                            <p:childTnLst>
+                              <p:par>
+                                <p:cTn id="13" presetID="10" presetClass="entr" presetSubtype="0" fill="hold" grpId="0" nodeType="clickEffect">
+                                  <p:stCondLst>
+                                    <p:cond delay="0"/>
+                                  </p:stCondLst>
+                                  <p:childTnLst>
+                                    <p:set>
+                                      <p:cBhvr>
+                                        <p:cTn id="14" dur="1" fill="hold">
+                                          <p:stCondLst>
+                                            <p:cond delay="0"/>
+                                          </p:stCondLst>
+                                        </p:cTn>
+                                        <p:tgtEl>
+                                          <p:spTgt spid="3"/>
+                                        </p:tgtEl>
+                                        <p:attrNameLst>
+                                          <p:attrName>style.visibility</p:attrName>
+                                        </p:attrNameLst>
+                                      </p:cBhvr>
+                                      <p:to>
+                                        <p:strVal val="visible"/>
+                                      </p:to>
+                                    </p:set>
+                                    <p:animEffect transition="in" filter="fade">
+                                      <p:cBhvr>
+                                        <p:cTn id="15" dur="500"/>
+                                        <p:tgtEl>
+                                          <p:spTgt spid="3"/>
+                                        </p:tgtEl>
+                                      </p:cBhvr>
+                                    </p:animEffect>
+                                  </p:childTnLst>
+                                </p:cTn>
+                              </p:par>
+                              <p:par>
+                                <p:cTn id="16" presetID="10" presetClass="entr" presetSubtype="0" fill="hold" nodeType="withEffect">
+                                  <p:stCondLst>
+                                    <p:cond delay="0"/>
+                                  </p:stCondLst>
+                                  <p:childTnLst>
+                                    <p:set>
+                                      <p:cBhvr>
+                                        <p:cTn id="17" dur="1" fill="hold">
+                                          <p:stCondLst>
+                                            <p:cond delay="0"/>
+                                          </p:stCondLst>
+                                        </p:cTn>
+                                        <p:tgtEl>
+                                          <p:spTgt spid="5"/>
+                                        </p:tgtEl>
+                                        <p:attrNameLst>
+                                          <p:attrName>style.visibility</p:attrName>
+                                        </p:attrNameLst>
+                                      </p:cBhvr>
+                                      <p:to>
+                                        <p:strVal val="visible"/>
+                                      </p:to>
+                                    </p:set>
+                                    <p:animEffect transition="in" filter="fade">
+                                      <p:cBhvr>
+                                        <p:cTn id="18" dur="500"/>
+                                        <p:tgtEl>
+                                          <p:spTgt spid="5"/>
+                                        </p:tgtEl>
+                                      </p:cBhvr>
+                                    </p:animEffect>
+                                  </p:childTnLst>
+                                </p:cTn>
+                              </p:par>
+                            </p:childTnLst>
+                          </p:cTn>
+                        </p:par>
+                      </p:childTnLst>
+                    </p:cTn>
+                  </p:par>
+                </p:childTnLst>
+              </p:cTn>
+              <p:prevCondLst>
+                <p:cond evt="onPrev" delay="0">
+                  <p:tgtEl>
+                    <p:sldTgt/>
+                  </p:tgtEl>
+                </p:cond>
+              </p:prevCondLst>
+              <p:nextCondLst>
+                <p:cond evt="onNext" delay="0">
+                  <p:tgtEl>
+                    <p:sldTgt/>
+                  </p:tgtEl>
+                </p:cond>
+              </p:nextCondLst>
+            </p:seq>
+          </p:childTnLst>
+        </p:cTn>
+      </p:par>
+    </p:tnLst>
+    <p:bldLst>
+      <p:bldP spid="2" grpId="0"/>
+      <p:bldP spid="3" grpId="0"/>
+    </p:bldLst>
+  </p:timing>
 </p:sld>
 </file>
 
@@ -15320,10 +15977,10 @@
       </p:grpSpPr>
       <p:pic>
         <p:nvPicPr>
-          <p:cNvPr id="9" name="Picture 8">
-            <a:extLst>
-              <a:ext uri="{FF2B5EF4-FFF2-40B4-BE49-F238E27FC236}">
-                <a16:creationId xmlns:a16="http://schemas.microsoft.com/office/drawing/2014/main" id="{73C9B361-695C-ED1F-C755-12B8191D2BE1}"/>
+          <p:cNvPr id="11" name="Picture 10">
+            <a:extLst>
+              <a:ext uri="{FF2B5EF4-FFF2-40B4-BE49-F238E27FC236}">
+                <a16:creationId xmlns:a16="http://schemas.microsoft.com/office/drawing/2014/main" id="{C1A819CB-15B3-CF60-91A4-CA16F1CD629D}"/>
               </a:ext>
             </a:extLst>
           </p:cNvPr>
@@ -15340,37 +15997,7 @@
         </p:blipFill>
         <p:spPr>
           <a:xfrm>
-            <a:off x="379222" y="551098"/>
-            <a:ext cx="8192643" cy="362001"/>
-          </a:xfrm>
-          <a:prstGeom prst="rect">
-            <a:avLst/>
-          </a:prstGeom>
-        </p:spPr>
-      </p:pic>
-      <p:pic>
-        <p:nvPicPr>
-          <p:cNvPr id="11" name="Picture 10">
-            <a:extLst>
-              <a:ext uri="{FF2B5EF4-FFF2-40B4-BE49-F238E27FC236}">
-                <a16:creationId xmlns:a16="http://schemas.microsoft.com/office/drawing/2014/main" id="{C1A819CB-15B3-CF60-91A4-CA16F1CD629D}"/>
-              </a:ext>
-            </a:extLst>
-          </p:cNvPr>
-          <p:cNvPicPr>
-            <a:picLocks noChangeAspect="1"/>
-          </p:cNvPicPr>
-          <p:nvPr/>
-        </p:nvPicPr>
-        <p:blipFill>
-          <a:blip r:embed="rId3"/>
-          <a:stretch>
-            <a:fillRect/>
-          </a:stretch>
-        </p:blipFill>
-        <p:spPr>
-          <a:xfrm>
-            <a:off x="338582" y="913099"/>
+            <a:off x="595531" y="921666"/>
             <a:ext cx="1629002" cy="457264"/>
           </a:xfrm>
           <a:prstGeom prst="rect">
@@ -15393,7 +16020,7 @@
           <p:nvPr/>
         </p:nvPicPr>
         <p:blipFill>
-          <a:blip r:embed="rId4"/>
+          <a:blip r:embed="rId3"/>
           <a:stretch>
             <a:fillRect/>
           </a:stretch>
@@ -15530,7 +16157,7 @@
           <p:nvPr/>
         </p:nvPicPr>
         <p:blipFill>
-          <a:blip r:embed="rId5">
+          <a:blip r:embed="rId4">
             <a:extLst>
               <a:ext uri="{28A0092B-C50C-407E-A947-70E740481C1C}">
                 <a14:useLocalDpi xmlns:a14="http://schemas.microsoft.com/office/drawing/2010/main" val="0"/>
@@ -15551,6 +16178,88 @@
           </a:prstGeom>
         </p:spPr>
       </p:pic>
+      <p:sp>
+        <p:nvSpPr>
+          <p:cNvPr id="4" name="TextBox 3">
+            <a:extLst>
+              <a:ext uri="{FF2B5EF4-FFF2-40B4-BE49-F238E27FC236}">
+                <a16:creationId xmlns:a16="http://schemas.microsoft.com/office/drawing/2014/main" id="{66D53323-61E1-5937-51BA-03539EDB6005}"/>
+              </a:ext>
+            </a:extLst>
+          </p:cNvPr>
+          <p:cNvSpPr txBox="1"/>
+          <p:nvPr/>
+        </p:nvSpPr>
+        <p:spPr>
+          <a:xfrm>
+            <a:off x="379222" y="295280"/>
+            <a:ext cx="6096000" cy="461665"/>
+          </a:xfrm>
+          <a:prstGeom prst="rect">
+            <a:avLst/>
+          </a:prstGeom>
+          <a:noFill/>
+        </p:spPr>
+        <p:txBody>
+          <a:bodyPr wrap="square">
+            <a:spAutoFit/>
+          </a:bodyPr>
+          <a:lstStyle/>
+          <a:p>
+            <a:r>
+              <a:rPr lang="en-IN" sz="2400" b="0" dirty="0">
+                <a:solidFill>
+                  <a:srgbClr val="ED7D31"/>
+                </a:solidFill>
+                <a:effectLst/>
+                <a:latin typeface="Consolas" panose="020B0609020204030204" pitchFamily="49" charset="0"/>
+              </a:rPr>
+              <a:t>Data Cleanup:</a:t>
+            </a:r>
+          </a:p>
+        </p:txBody>
+      </p:sp>
+      <p:sp>
+        <p:nvSpPr>
+          <p:cNvPr id="5" name="TextBox 4">
+            <a:extLst>
+              <a:ext uri="{FF2B5EF4-FFF2-40B4-BE49-F238E27FC236}">
+                <a16:creationId xmlns:a16="http://schemas.microsoft.com/office/drawing/2014/main" id="{10F4EA25-83B0-CA5B-94E3-9555581D8AC3}"/>
+              </a:ext>
+            </a:extLst>
+          </p:cNvPr>
+          <p:cNvSpPr txBox="1"/>
+          <p:nvPr/>
+        </p:nvSpPr>
+        <p:spPr>
+          <a:xfrm>
+            <a:off x="379222" y="5736279"/>
+            <a:ext cx="9394043" cy="400110"/>
+          </a:xfrm>
+          <a:prstGeom prst="rect">
+            <a:avLst/>
+          </a:prstGeom>
+          <a:noFill/>
+        </p:spPr>
+        <p:txBody>
+          <a:bodyPr wrap="square">
+            <a:spAutoFit/>
+          </a:bodyPr>
+          <a:lstStyle/>
+          <a:p>
+            <a:r>
+              <a:rPr lang="en-IN" sz="2000" b="0" dirty="0">
+                <a:solidFill>
+                  <a:srgbClr val="ED7D31"/>
+                </a:solidFill>
+                <a:effectLst/>
+                <a:latin typeface="Consolas" panose="020B0609020204030204" pitchFamily="49" charset="0"/>
+              </a:rPr>
+              <a:t>999999 can’t be a meaningful data</a:t>
+            </a:r>
+          </a:p>
+        </p:txBody>
+      </p:sp>
     </p:spTree>
     <p:extLst>
       <p:ext uri="{BB962C8B-B14F-4D97-AF65-F5344CB8AC3E}">
@@ -15561,6 +16270,18 @@
   <p:clrMapOvr>
     <a:masterClrMapping/>
   </p:clrMapOvr>
+  <mc:AlternateContent xmlns:mc="http://schemas.openxmlformats.org/markup-compatibility/2006">
+    <mc:Choice xmlns:p14="http://schemas.microsoft.com/office/powerpoint/2010/main" Requires="p14">
+      <p:transition spd="med" p14:dur="700">
+        <p:fade/>
+      </p:transition>
+    </mc:Choice>
+    <mc:Fallback>
+      <p:transition spd="med">
+        <p:fade/>
+      </p:transition>
+    </mc:Fallback>
+  </mc:AlternateContent>
   <p:timing>
     <p:tnLst>
       <p:par>
@@ -15582,7 +16303,7 @@
                             </p:stCondLst>
                             <p:childTnLst>
                               <p:par>
-                                <p:cTn id="5" presetID="10" presetClass="entr" presetSubtype="0" fill="hold" nodeType="clickEffect">
+                                <p:cTn id="5" presetID="10" presetClass="entr" presetSubtype="0" fill="hold" grpId="0" nodeType="clickEffect">
                                   <p:stCondLst>
                                     <p:cond delay="0"/>
                                   </p:stCondLst>
@@ -15595,7 +16316,7 @@
                                           </p:stCondLst>
                                         </p:cTn>
                                         <p:tgtEl>
-                                          <p:spTgt spid="9"/>
+                                          <p:spTgt spid="4"/>
                                         </p:tgtEl>
                                         <p:attrNameLst>
                                           <p:attrName>style.visibility</p:attrName>
@@ -15609,7 +16330,7 @@
                                       <p:cBhvr>
                                         <p:cTn id="7" dur="500"/>
                                         <p:tgtEl>
-                                          <p:spTgt spid="9"/>
+                                          <p:spTgt spid="4"/>
                                         </p:tgtEl>
                                       </p:cBhvr>
                                     </p:animEffect>
@@ -15916,255 +16637,15 @@
                                   </p:childTnLst>
                                 </p:cTn>
                               </p:par>
-                            </p:childTnLst>
-                          </p:cTn>
-                        </p:par>
-                      </p:childTnLst>
-                    </p:cTn>
-                  </p:par>
-                </p:childTnLst>
-              </p:cTn>
-              <p:prevCondLst>
-                <p:cond evt="onPrev" delay="0">
-                  <p:tgtEl>
-                    <p:sldTgt/>
-                  </p:tgtEl>
-                </p:cond>
-              </p:prevCondLst>
-              <p:nextCondLst>
-                <p:cond evt="onNext" delay="0">
-                  <p:tgtEl>
-                    <p:sldTgt/>
-                  </p:tgtEl>
-                </p:cond>
-              </p:nextCondLst>
-            </p:seq>
-          </p:childTnLst>
-        </p:cTn>
-      </p:par>
-    </p:tnLst>
-    <p:bldLst>
-      <p:bldP spid="16" grpId="0" animBg="1"/>
-      <p:bldP spid="16" grpId="1" animBg="1"/>
-      <p:bldP spid="17" grpId="0" animBg="1"/>
-      <p:bldP spid="17" grpId="1" animBg="1"/>
-    </p:bldLst>
-  </p:timing>
-</p:sld>
-</file>
-
-<file path=ppt/slides/slide7.xml><?xml version="1.0" encoding="utf-8"?>
-<p:sld xmlns:a="http://schemas.openxmlformats.org/drawingml/2006/main" xmlns:r="http://schemas.openxmlformats.org/officeDocument/2006/relationships" xmlns:p="http://schemas.openxmlformats.org/presentationml/2006/main">
-  <p:cSld>
-    <p:bg>
-      <p:bgPr>
-        <a:solidFill>
-          <a:srgbClr val="262626"/>
-        </a:solidFill>
-        <a:effectLst/>
-      </p:bgPr>
-    </p:bg>
-    <p:spTree>
-      <p:nvGrpSpPr>
-        <p:cNvPr id="1" name=""/>
-        <p:cNvGrpSpPr/>
-        <p:nvPr/>
-      </p:nvGrpSpPr>
-      <p:grpSpPr>
-        <a:xfrm>
-          <a:off x="0" y="0"/>
-          <a:ext cx="0" cy="0"/>
-          <a:chOff x="0" y="0"/>
-          <a:chExt cx="0" cy="0"/>
-        </a:xfrm>
-      </p:grpSpPr>
-      <p:pic>
-        <p:nvPicPr>
-          <p:cNvPr id="5" name="Picture 4">
-            <a:extLst>
-              <a:ext uri="{FF2B5EF4-FFF2-40B4-BE49-F238E27FC236}">
-                <a16:creationId xmlns:a16="http://schemas.microsoft.com/office/drawing/2014/main" id="{57378CD8-D863-FC9A-3944-BA02655011FB}"/>
-              </a:ext>
-            </a:extLst>
-          </p:cNvPr>
-          <p:cNvPicPr>
-            <a:picLocks noChangeAspect="1"/>
-          </p:cNvPicPr>
-          <p:nvPr/>
-        </p:nvPicPr>
-        <p:blipFill>
-          <a:blip r:embed="rId2"/>
-          <a:stretch>
-            <a:fillRect/>
-          </a:stretch>
-        </p:blipFill>
-        <p:spPr>
-          <a:xfrm>
-            <a:off x="261446" y="2299941"/>
-            <a:ext cx="11669107" cy="1249504"/>
-          </a:xfrm>
-          <a:prstGeom prst="rect">
-            <a:avLst/>
-          </a:prstGeom>
-        </p:spPr>
-      </p:pic>
-      <p:pic>
-        <p:nvPicPr>
-          <p:cNvPr id="7" name="Picture 6">
-            <a:extLst>
-              <a:ext uri="{FF2B5EF4-FFF2-40B4-BE49-F238E27FC236}">
-                <a16:creationId xmlns:a16="http://schemas.microsoft.com/office/drawing/2014/main" id="{85BD6CE2-EE62-617F-5556-2A5F49023C6F}"/>
-              </a:ext>
-            </a:extLst>
-          </p:cNvPr>
-          <p:cNvPicPr>
-            <a:picLocks noChangeAspect="1"/>
-          </p:cNvPicPr>
-          <p:nvPr/>
-        </p:nvPicPr>
-        <p:blipFill>
-          <a:blip r:embed="rId3"/>
-          <a:stretch>
-            <a:fillRect/>
-          </a:stretch>
-        </p:blipFill>
-        <p:spPr>
-          <a:xfrm>
-            <a:off x="3681518" y="0"/>
-            <a:ext cx="4828963" cy="6858000"/>
-          </a:xfrm>
-          <a:prstGeom prst="rect">
-            <a:avLst/>
-          </a:prstGeom>
-        </p:spPr>
-      </p:pic>
-      <p:sp>
-        <p:nvSpPr>
-          <p:cNvPr id="8" name="Rectangle 7">
-            <a:extLst>
-              <a:ext uri="{FF2B5EF4-FFF2-40B4-BE49-F238E27FC236}">
-                <a16:creationId xmlns:a16="http://schemas.microsoft.com/office/drawing/2014/main" id="{454EC4CC-CC87-DCE1-AF70-294DEE3B497D}"/>
-              </a:ext>
-            </a:extLst>
-          </p:cNvPr>
-          <p:cNvSpPr/>
-          <p:nvPr/>
-        </p:nvSpPr>
-        <p:spPr>
-          <a:xfrm>
-            <a:off x="5252720" y="-8270"/>
-            <a:ext cx="548640" cy="6866269"/>
-          </a:xfrm>
-          <a:prstGeom prst="rect">
-            <a:avLst/>
-          </a:prstGeom>
-          <a:noFill/>
-          <a:ln>
-            <a:solidFill>
-              <a:srgbClr val="FFFF00"/>
-            </a:solidFill>
-          </a:ln>
-        </p:spPr>
-        <p:style>
-          <a:lnRef idx="2">
-            <a:schemeClr val="accent1">
-              <a:shade val="15000"/>
-            </a:schemeClr>
-          </a:lnRef>
-          <a:fillRef idx="1">
-            <a:schemeClr val="accent1"/>
-          </a:fillRef>
-          <a:effectRef idx="0">
-            <a:schemeClr val="accent1"/>
-          </a:effectRef>
-          <a:fontRef idx="minor">
-            <a:schemeClr val="lt1"/>
-          </a:fontRef>
-        </p:style>
-        <p:txBody>
-          <a:bodyPr rtlCol="0" anchor="ctr"/>
-          <a:lstStyle/>
-          <a:p>
-            <a:pPr algn="ctr"/>
-            <a:endParaRPr lang="en-IN"/>
-          </a:p>
-        </p:txBody>
-      </p:sp>
-      <p:pic>
-        <p:nvPicPr>
-          <p:cNvPr id="10" name="Picture 9">
-            <a:extLst>
-              <a:ext uri="{FF2B5EF4-FFF2-40B4-BE49-F238E27FC236}">
-                <a16:creationId xmlns:a16="http://schemas.microsoft.com/office/drawing/2014/main" id="{61092806-1D2E-A6CC-E4DE-313470764867}"/>
-              </a:ext>
-            </a:extLst>
-          </p:cNvPr>
-          <p:cNvPicPr>
-            <a:picLocks noChangeAspect="1"/>
-          </p:cNvPicPr>
-          <p:nvPr/>
-        </p:nvPicPr>
-        <p:blipFill>
-          <a:blip r:embed="rId4">
-            <a:extLst>
-              <a:ext uri="{28A0092B-C50C-407E-A947-70E740481C1C}">
-                <a14:useLocalDpi xmlns:a14="http://schemas.microsoft.com/office/drawing/2010/main" val="0"/>
-              </a:ext>
-            </a:extLst>
-          </a:blip>
-          <a:stretch>
-            <a:fillRect/>
-          </a:stretch>
-        </p:blipFill>
-        <p:spPr>
-          <a:xfrm>
-            <a:off x="10866005" y="6217865"/>
-            <a:ext cx="1325995" cy="640135"/>
-          </a:xfrm>
-          <a:prstGeom prst="rect">
-            <a:avLst/>
-          </a:prstGeom>
-        </p:spPr>
-      </p:pic>
-    </p:spTree>
-    <p:extLst>
-      <p:ext uri="{BB962C8B-B14F-4D97-AF65-F5344CB8AC3E}">
-        <p14:creationId xmlns:p14="http://schemas.microsoft.com/office/powerpoint/2010/main" val="214571995"/>
-      </p:ext>
-    </p:extLst>
-  </p:cSld>
-  <p:clrMapOvr>
-    <a:masterClrMapping/>
-  </p:clrMapOvr>
-  <p:timing>
-    <p:tnLst>
-      <p:par>
-        <p:cTn id="1" dur="indefinite" restart="never" nodeType="tmRoot">
-          <p:childTnLst>
-            <p:seq concurrent="1" nextAc="seek">
-              <p:cTn id="2" dur="indefinite" nodeType="mainSeq">
-                <p:childTnLst>
-                  <p:par>
-                    <p:cTn id="3" fill="hold">
-                      <p:stCondLst>
-                        <p:cond delay="indefinite"/>
-                      </p:stCondLst>
-                      <p:childTnLst>
-                        <p:par>
-                          <p:cTn id="4" fill="hold">
-                            <p:stCondLst>
-                              <p:cond delay="0"/>
-                            </p:stCondLst>
-                            <p:childTnLst>
                               <p:par>
-                                <p:cTn id="5" presetID="10" presetClass="entr" presetSubtype="0" fill="hold" nodeType="clickEffect">
+                                <p:cTn id="36" presetID="10" presetClass="entr" presetSubtype="0" fill="hold" grpId="0" nodeType="withEffect">
                                   <p:stCondLst>
                                     <p:cond delay="0"/>
                                   </p:stCondLst>
                                   <p:childTnLst>
                                     <p:set>
                                       <p:cBhvr>
-                                        <p:cTn id="6" dur="1" fill="hold">
+                                        <p:cTn id="37" dur="1" fill="hold">
                                           <p:stCondLst>
                                             <p:cond delay="0"/>
                                           </p:stCondLst>
@@ -16182,150 +16663,9 @@
                                     </p:set>
                                     <p:animEffect transition="in" filter="fade">
                                       <p:cBhvr>
-                                        <p:cTn id="7" dur="500"/>
+                                        <p:cTn id="38" dur="500"/>
                                         <p:tgtEl>
                                           <p:spTgt spid="5"/>
-                                        </p:tgtEl>
-                                      </p:cBhvr>
-                                    </p:animEffect>
-                                  </p:childTnLst>
-                                </p:cTn>
-                              </p:par>
-                            </p:childTnLst>
-                          </p:cTn>
-                        </p:par>
-                      </p:childTnLst>
-                    </p:cTn>
-                  </p:par>
-                  <p:par>
-                    <p:cTn id="8" fill="hold">
-                      <p:stCondLst>
-                        <p:cond delay="indefinite"/>
-                      </p:stCondLst>
-                      <p:childTnLst>
-                        <p:par>
-                          <p:cTn id="9" fill="hold">
-                            <p:stCondLst>
-                              <p:cond delay="0"/>
-                            </p:stCondLst>
-                            <p:childTnLst>
-                              <p:par>
-                                <p:cTn id="10" presetID="10" presetClass="exit" presetSubtype="0" fill="hold" nodeType="clickEffect">
-                                  <p:stCondLst>
-                                    <p:cond delay="0"/>
-                                  </p:stCondLst>
-                                  <p:childTnLst>
-                                    <p:animEffect transition="out" filter="fade">
-                                      <p:cBhvr>
-                                        <p:cTn id="11" dur="500"/>
-                                        <p:tgtEl>
-                                          <p:spTgt spid="5"/>
-                                        </p:tgtEl>
-                                      </p:cBhvr>
-                                    </p:animEffect>
-                                    <p:set>
-                                      <p:cBhvr>
-                                        <p:cTn id="12" dur="1" fill="hold">
-                                          <p:stCondLst>
-                                            <p:cond delay="499"/>
-                                          </p:stCondLst>
-                                        </p:cTn>
-                                        <p:tgtEl>
-                                          <p:spTgt spid="5"/>
-                                        </p:tgtEl>
-                                        <p:attrNameLst>
-                                          <p:attrName>style.visibility</p:attrName>
-                                        </p:attrNameLst>
-                                      </p:cBhvr>
-                                      <p:to>
-                                        <p:strVal val="hidden"/>
-                                      </p:to>
-                                    </p:set>
-                                  </p:childTnLst>
-                                </p:cTn>
-                              </p:par>
-                              <p:par>
-                                <p:cTn id="13" presetID="10" presetClass="entr" presetSubtype="0" fill="hold" nodeType="withEffect">
-                                  <p:stCondLst>
-                                    <p:cond delay="0"/>
-                                  </p:stCondLst>
-                                  <p:childTnLst>
-                                    <p:set>
-                                      <p:cBhvr>
-                                        <p:cTn id="14" dur="1" fill="hold">
-                                          <p:stCondLst>
-                                            <p:cond delay="0"/>
-                                          </p:stCondLst>
-                                        </p:cTn>
-                                        <p:tgtEl>
-                                          <p:spTgt spid="7"/>
-                                        </p:tgtEl>
-                                        <p:attrNameLst>
-                                          <p:attrName>style.visibility</p:attrName>
-                                        </p:attrNameLst>
-                                      </p:cBhvr>
-                                      <p:to>
-                                        <p:strVal val="visible"/>
-                                      </p:to>
-                                    </p:set>
-                                    <p:animEffect transition="in" filter="fade">
-                                      <p:cBhvr>
-                                        <p:cTn id="15" dur="500"/>
-                                        <p:tgtEl>
-                                          <p:spTgt spid="7"/>
-                                        </p:tgtEl>
-                                      </p:cBhvr>
-                                    </p:animEffect>
-                                  </p:childTnLst>
-                                </p:cTn>
-                              </p:par>
-                            </p:childTnLst>
-                          </p:cTn>
-                        </p:par>
-                      </p:childTnLst>
-                    </p:cTn>
-                  </p:par>
-                  <p:par>
-                    <p:cTn id="16" fill="hold">
-                      <p:stCondLst>
-                        <p:cond delay="indefinite"/>
-                      </p:stCondLst>
-                      <p:childTnLst>
-                        <p:par>
-                          <p:cTn id="17" fill="hold">
-                            <p:stCondLst>
-                              <p:cond delay="0"/>
-                            </p:stCondLst>
-                            <p:childTnLst>
-                              <p:par>
-                                <p:cTn id="18" presetID="10" presetClass="entr" presetSubtype="0" fill="hold" grpId="0" nodeType="clickEffect">
-                                  <p:stCondLst>
-                                    <p:cond delay="0"/>
-                                  </p:stCondLst>
-                                  <p:childTnLst>
-                                    <p:set>
-                                      <p:cBhvr>
-                                        <p:cTn id="19" dur="1" fill="hold">
-                                          <p:stCondLst>
-                                            <p:cond delay="0"/>
-                                          </p:stCondLst>
-                                        </p:cTn>
-                                        <p:tgtEl>
-                                          <p:spTgt spid="8"/>
-                                        </p:tgtEl>
-                                        <p:attrNameLst>
-                                          <p:attrName>style.visibility</p:attrName>
-                                        </p:attrNameLst>
-                                      </p:cBhvr>
-                                      <p:to>
-                                        <p:strVal val="visible"/>
-                                      </p:to>
-                                    </p:set>
-                                    <p:animEffect transition="in" filter="fade">
-                                      <p:cBhvr>
-                                        <p:cTn id="20" dur="500"/>
-                                        <p:tgtEl>
-                                          <p:spTgt spid="8"/>
                                         </p:tgtEl>
                                       </p:cBhvr>
                                     </p:animEffect>
@@ -16360,9 +16700,423 @@
       </p:par>
     </p:tnLst>
     <p:bldLst>
-      <p:bldP spid="8" grpId="0" animBg="1"/>
+      <p:bldP spid="16" grpId="0" animBg="1"/>
+      <p:bldP spid="16" grpId="1" animBg="1"/>
+      <p:bldP spid="17" grpId="0" animBg="1"/>
+      <p:bldP spid="17" grpId="1" animBg="1"/>
+      <p:bldP spid="4" grpId="0"/>
+      <p:bldP spid="5" grpId="0"/>
     </p:bldLst>
   </p:timing>
+</p:sld>
+</file>
+
+<file path=ppt/slides/slide7.xml><?xml version="1.0" encoding="utf-8"?>
+<p:sld xmlns:a="http://schemas.openxmlformats.org/drawingml/2006/main" xmlns:r="http://schemas.openxmlformats.org/officeDocument/2006/relationships" xmlns:p="http://schemas.openxmlformats.org/presentationml/2006/main">
+  <p:cSld>
+    <p:bg>
+      <p:bgPr>
+        <a:solidFill>
+          <a:srgbClr val="262626"/>
+        </a:solidFill>
+        <a:effectLst/>
+      </p:bgPr>
+    </p:bg>
+    <p:spTree>
+      <p:nvGrpSpPr>
+        <p:cNvPr id="1" name=""/>
+        <p:cNvGrpSpPr/>
+        <p:nvPr/>
+      </p:nvGrpSpPr>
+      <p:grpSpPr>
+        <a:xfrm>
+          <a:off x="0" y="0"/>
+          <a:ext cx="0" cy="0"/>
+          <a:chOff x="0" y="0"/>
+          <a:chExt cx="0" cy="0"/>
+        </a:xfrm>
+      </p:grpSpPr>
+      <p:pic>
+        <p:nvPicPr>
+          <p:cNvPr id="10" name="Picture 9">
+            <a:extLst>
+              <a:ext uri="{FF2B5EF4-FFF2-40B4-BE49-F238E27FC236}">
+                <a16:creationId xmlns:a16="http://schemas.microsoft.com/office/drawing/2014/main" id="{61092806-1D2E-A6CC-E4DE-313470764867}"/>
+              </a:ext>
+            </a:extLst>
+          </p:cNvPr>
+          <p:cNvPicPr>
+            <a:picLocks noChangeAspect="1"/>
+          </p:cNvPicPr>
+          <p:nvPr/>
+        </p:nvPicPr>
+        <p:blipFill>
+          <a:blip r:embed="rId2">
+            <a:extLst>
+              <a:ext uri="{28A0092B-C50C-407E-A947-70E740481C1C}">
+                <a14:useLocalDpi xmlns:a14="http://schemas.microsoft.com/office/drawing/2010/main" val="0"/>
+              </a:ext>
+            </a:extLst>
+          </a:blip>
+          <a:stretch>
+            <a:fillRect/>
+          </a:stretch>
+        </p:blipFill>
+        <p:spPr>
+          <a:xfrm>
+            <a:off x="10866005" y="6217865"/>
+            <a:ext cx="1325995" cy="640135"/>
+          </a:xfrm>
+          <a:prstGeom prst="rect">
+            <a:avLst/>
+          </a:prstGeom>
+        </p:spPr>
+      </p:pic>
+      <p:sp>
+        <p:nvSpPr>
+          <p:cNvPr id="2" name="TextBox 1">
+            <a:extLst>
+              <a:ext uri="{FF2B5EF4-FFF2-40B4-BE49-F238E27FC236}">
+                <a16:creationId xmlns:a16="http://schemas.microsoft.com/office/drawing/2014/main" id="{13E2D084-C3E4-2B32-1817-7A2986094CC4}"/>
+              </a:ext>
+            </a:extLst>
+          </p:cNvPr>
+          <p:cNvSpPr txBox="1"/>
+          <p:nvPr/>
+        </p:nvSpPr>
+        <p:spPr>
+          <a:xfrm>
+            <a:off x="572676" y="1004123"/>
+            <a:ext cx="6009979" cy="646331"/>
+          </a:xfrm>
+          <a:prstGeom prst="rect">
+            <a:avLst/>
+          </a:prstGeom>
+          <a:noFill/>
+        </p:spPr>
+        <p:txBody>
+          <a:bodyPr wrap="none" rtlCol="0">
+            <a:spAutoFit/>
+          </a:bodyPr>
+          <a:lstStyle/>
+          <a:p>
+            <a:r>
+              <a:rPr lang="en-US" b="0" dirty="0">
+                <a:solidFill>
+                  <a:srgbClr val="F6F6F6"/>
+                </a:solidFill>
+                <a:effectLst/>
+                <a:latin typeface="Consolas" panose="020B0609020204030204" pitchFamily="49" charset="0"/>
+              </a:rPr>
+              <a:t>M1</a:t>
+            </a:r>
+            <a:r>
+              <a:rPr lang="en-US" b="0" dirty="0">
+                <a:solidFill>
+                  <a:srgbClr val="4472C4"/>
+                </a:solidFill>
+                <a:effectLst/>
+                <a:latin typeface="Consolas" panose="020B0609020204030204" pitchFamily="49" charset="0"/>
+              </a:rPr>
+              <a:t>.</a:t>
+            </a:r>
+            <a:r>
+              <a:rPr lang="en-US" b="0" dirty="0">
+                <a:solidFill>
+                  <a:srgbClr val="5B9BD5"/>
+                </a:solidFill>
+                <a:effectLst/>
+                <a:latin typeface="Consolas" panose="020B0609020204030204" pitchFamily="49" charset="0"/>
+              </a:rPr>
+              <a:t>replace</a:t>
+            </a:r>
+            <a:r>
+              <a:rPr lang="en-US" b="0" dirty="0">
+                <a:solidFill>
+                  <a:srgbClr val="F6F6F6"/>
+                </a:solidFill>
+                <a:effectLst/>
+                <a:latin typeface="Consolas" panose="020B0609020204030204" pitchFamily="49" charset="0"/>
+              </a:rPr>
+              <a:t>(</a:t>
+            </a:r>
+            <a:r>
+              <a:rPr lang="en-US" b="0" dirty="0">
+                <a:solidFill>
+                  <a:srgbClr val="FFD965"/>
+                </a:solidFill>
+                <a:effectLst/>
+                <a:latin typeface="Consolas" panose="020B0609020204030204" pitchFamily="49" charset="0"/>
+              </a:rPr>
+              <a:t>99999.000000</a:t>
+            </a:r>
+            <a:r>
+              <a:rPr lang="en-US" b="0" dirty="0">
+                <a:solidFill>
+                  <a:srgbClr val="4472C4"/>
+                </a:solidFill>
+                <a:effectLst/>
+                <a:latin typeface="Consolas" panose="020B0609020204030204" pitchFamily="49" charset="0"/>
+              </a:rPr>
+              <a:t>,</a:t>
+            </a:r>
+            <a:r>
+              <a:rPr lang="en-US" b="0" dirty="0">
+                <a:solidFill>
+                  <a:srgbClr val="F6F6F6"/>
+                </a:solidFill>
+                <a:effectLst/>
+                <a:latin typeface="Consolas" panose="020B0609020204030204" pitchFamily="49" charset="0"/>
+              </a:rPr>
+              <a:t> np</a:t>
+            </a:r>
+            <a:r>
+              <a:rPr lang="en-US" b="0" dirty="0">
+                <a:solidFill>
+                  <a:srgbClr val="4472C4"/>
+                </a:solidFill>
+                <a:effectLst/>
+                <a:latin typeface="Consolas" panose="020B0609020204030204" pitchFamily="49" charset="0"/>
+              </a:rPr>
+              <a:t>.</a:t>
+            </a:r>
+            <a:r>
+              <a:rPr lang="en-US" b="0" dirty="0">
+                <a:solidFill>
+                  <a:srgbClr val="F6F6F6"/>
+                </a:solidFill>
+                <a:effectLst/>
+                <a:latin typeface="Consolas" panose="020B0609020204030204" pitchFamily="49" charset="0"/>
+              </a:rPr>
+              <a:t>nan</a:t>
+            </a:r>
+            <a:r>
+              <a:rPr lang="en-US" b="0" dirty="0">
+                <a:solidFill>
+                  <a:srgbClr val="4472C4"/>
+                </a:solidFill>
+                <a:effectLst/>
+                <a:latin typeface="Consolas" panose="020B0609020204030204" pitchFamily="49" charset="0"/>
+              </a:rPr>
+              <a:t>,</a:t>
+            </a:r>
+            <a:r>
+              <a:rPr lang="en-US" b="0" dirty="0">
+                <a:solidFill>
+                  <a:srgbClr val="F6F6F6"/>
+                </a:solidFill>
+                <a:effectLst/>
+                <a:latin typeface="Consolas" panose="020B0609020204030204" pitchFamily="49" charset="0"/>
+              </a:rPr>
+              <a:t> </a:t>
+            </a:r>
+            <a:r>
+              <a:rPr lang="en-US" b="0" dirty="0">
+                <a:solidFill>
+                  <a:srgbClr val="B2A1C7"/>
+                </a:solidFill>
+                <a:effectLst/>
+                <a:latin typeface="Consolas" panose="020B0609020204030204" pitchFamily="49" charset="0"/>
+              </a:rPr>
+              <a:t>inplace</a:t>
+            </a:r>
+            <a:r>
+              <a:rPr lang="en-US" b="0" dirty="0">
+                <a:solidFill>
+                  <a:srgbClr val="4472C4"/>
+                </a:solidFill>
+                <a:effectLst/>
+                <a:latin typeface="Consolas" panose="020B0609020204030204" pitchFamily="49" charset="0"/>
+              </a:rPr>
+              <a:t>=</a:t>
+            </a:r>
+            <a:r>
+              <a:rPr lang="en-US" b="0" dirty="0">
+                <a:solidFill>
+                  <a:srgbClr val="FFD965"/>
+                </a:solidFill>
+                <a:effectLst/>
+                <a:latin typeface="Consolas" panose="020B0609020204030204" pitchFamily="49" charset="0"/>
+              </a:rPr>
+              <a:t>True</a:t>
+            </a:r>
+            <a:r>
+              <a:rPr lang="en-US" b="0" dirty="0">
+                <a:solidFill>
+                  <a:srgbClr val="F6F6F6"/>
+                </a:solidFill>
+                <a:effectLst/>
+                <a:latin typeface="Consolas" panose="020B0609020204030204" pitchFamily="49" charset="0"/>
+              </a:rPr>
+              <a:t>)</a:t>
+            </a:r>
+          </a:p>
+          <a:p>
+            <a:r>
+              <a:rPr lang="en-US" b="0" dirty="0">
+                <a:solidFill>
+                  <a:srgbClr val="F6F6F6"/>
+                </a:solidFill>
+                <a:effectLst/>
+                <a:latin typeface="Consolas" panose="020B0609020204030204" pitchFamily="49" charset="0"/>
+              </a:rPr>
+              <a:t>M1</a:t>
+            </a:r>
+            <a:r>
+              <a:rPr lang="en-US" b="0" dirty="0">
+                <a:solidFill>
+                  <a:srgbClr val="4472C4"/>
+                </a:solidFill>
+                <a:effectLst/>
+                <a:latin typeface="Consolas" panose="020B0609020204030204" pitchFamily="49" charset="0"/>
+              </a:rPr>
+              <a:t>.</a:t>
+            </a:r>
+            <a:r>
+              <a:rPr lang="en-US" b="0" dirty="0">
+                <a:solidFill>
+                  <a:srgbClr val="5B9BD5"/>
+                </a:solidFill>
+                <a:effectLst/>
+                <a:latin typeface="Consolas" panose="020B0609020204030204" pitchFamily="49" charset="0"/>
+              </a:rPr>
+              <a:t>describe</a:t>
+            </a:r>
+            <a:r>
+              <a:rPr lang="en-US" b="0" dirty="0">
+                <a:solidFill>
+                  <a:srgbClr val="F6F6F6"/>
+                </a:solidFill>
+                <a:effectLst/>
+                <a:latin typeface="Consolas" panose="020B0609020204030204" pitchFamily="49" charset="0"/>
+              </a:rPr>
+              <a:t>()</a:t>
+            </a:r>
+          </a:p>
+        </p:txBody>
+      </p:sp>
+      <p:sp>
+        <p:nvSpPr>
+          <p:cNvPr id="4" name="TextBox 3">
+            <a:extLst>
+              <a:ext uri="{FF2B5EF4-FFF2-40B4-BE49-F238E27FC236}">
+                <a16:creationId xmlns:a16="http://schemas.microsoft.com/office/drawing/2014/main" id="{BAB52EC2-C178-CE22-05C0-DD4BA99E207A}"/>
+              </a:ext>
+            </a:extLst>
+          </p:cNvPr>
+          <p:cNvSpPr txBox="1"/>
+          <p:nvPr/>
+        </p:nvSpPr>
+        <p:spPr>
+          <a:xfrm>
+            <a:off x="572676" y="450930"/>
+            <a:ext cx="6096000" cy="369332"/>
+          </a:xfrm>
+          <a:prstGeom prst="rect">
+            <a:avLst/>
+          </a:prstGeom>
+          <a:noFill/>
+        </p:spPr>
+        <p:txBody>
+          <a:bodyPr wrap="square">
+            <a:spAutoFit/>
+          </a:bodyPr>
+          <a:lstStyle/>
+          <a:p>
+            <a:r>
+              <a:rPr lang="en-IN" sz="1800" b="0" dirty="0">
+                <a:solidFill>
+                  <a:srgbClr val="ED7D31"/>
+                </a:solidFill>
+                <a:effectLst/>
+                <a:latin typeface="Consolas" panose="020B0609020204030204" pitchFamily="49" charset="0"/>
+              </a:rPr>
+              <a:t>Replacing erroneous value with undefined</a:t>
+            </a:r>
+          </a:p>
+        </p:txBody>
+      </p:sp>
+      <p:pic>
+        <p:nvPicPr>
+          <p:cNvPr id="9" name="Picture 8">
+            <a:extLst>
+              <a:ext uri="{FF2B5EF4-FFF2-40B4-BE49-F238E27FC236}">
+                <a16:creationId xmlns:a16="http://schemas.microsoft.com/office/drawing/2014/main" id="{8E11811D-D16B-2888-481A-A70F59311E0F}"/>
+              </a:ext>
+            </a:extLst>
+          </p:cNvPr>
+          <p:cNvPicPr>
+            <a:picLocks noChangeAspect="1"/>
+          </p:cNvPicPr>
+          <p:nvPr/>
+        </p:nvPicPr>
+        <p:blipFill>
+          <a:blip r:embed="rId3"/>
+          <a:stretch>
+            <a:fillRect/>
+          </a:stretch>
+        </p:blipFill>
+        <p:spPr>
+          <a:xfrm>
+            <a:off x="0" y="2300521"/>
+            <a:ext cx="12192000" cy="2256958"/>
+          </a:xfrm>
+          <a:prstGeom prst="rect">
+            <a:avLst/>
+          </a:prstGeom>
+        </p:spPr>
+      </p:pic>
+      <p:sp>
+        <p:nvSpPr>
+          <p:cNvPr id="11" name="TextBox 10">
+            <a:extLst>
+              <a:ext uri="{FF2B5EF4-FFF2-40B4-BE49-F238E27FC236}">
+                <a16:creationId xmlns:a16="http://schemas.microsoft.com/office/drawing/2014/main" id="{ABF999FE-DB2C-B957-9C86-24379AD6C67B}"/>
+              </a:ext>
+            </a:extLst>
+          </p:cNvPr>
+          <p:cNvSpPr txBox="1"/>
+          <p:nvPr/>
+        </p:nvSpPr>
+        <p:spPr>
+          <a:xfrm>
+            <a:off x="572676" y="5018340"/>
+            <a:ext cx="9731530" cy="369332"/>
+          </a:xfrm>
+          <a:prstGeom prst="rect">
+            <a:avLst/>
+          </a:prstGeom>
+          <a:noFill/>
+        </p:spPr>
+        <p:txBody>
+          <a:bodyPr wrap="square">
+            <a:spAutoFit/>
+          </a:bodyPr>
+          <a:lstStyle/>
+          <a:p>
+            <a:r>
+              <a:rPr lang="en-IN" sz="1800" b="0" dirty="0">
+                <a:solidFill>
+                  <a:srgbClr val="ED7D31"/>
+                </a:solidFill>
+                <a:effectLst/>
+                <a:latin typeface="Consolas" panose="020B0609020204030204" pitchFamily="49" charset="0"/>
+              </a:rPr>
+              <a:t>Mean and Max values in the data now appears to be sensible</a:t>
+            </a:r>
+          </a:p>
+        </p:txBody>
+      </p:sp>
+    </p:spTree>
+    <p:extLst>
+      <p:ext uri="{BB962C8B-B14F-4D97-AF65-F5344CB8AC3E}">
+        <p14:creationId xmlns:p14="http://schemas.microsoft.com/office/powerpoint/2010/main" val="214571995"/>
+      </p:ext>
+    </p:extLst>
+  </p:cSld>
+  <p:clrMapOvr>
+    <a:masterClrMapping/>
+  </p:clrMapOvr>
 </p:sld>
 </file>
 
@@ -16383,34 +17137,6 @@
           <a:chExt cx="0" cy="0"/>
         </a:xfrm>
       </p:grpSpPr>
-      <p:graphicFrame>
-        <p:nvGraphicFramePr>
-          <p:cNvPr id="6" name="Chart 5">
-            <a:extLst>
-              <a:ext uri="{FF2B5EF4-FFF2-40B4-BE49-F238E27FC236}">
-                <a16:creationId xmlns:a16="http://schemas.microsoft.com/office/drawing/2014/main" id="{D6EE795E-4721-64A1-D9E3-0E7861CA65BD}"/>
-              </a:ext>
-            </a:extLst>
-          </p:cNvPr>
-          <p:cNvGraphicFramePr/>
-          <p:nvPr>
-            <p:extLst>
-              <p:ext uri="{D42A27DB-BD31-4B8C-83A1-F6EECF244321}">
-                <p14:modId xmlns:p14="http://schemas.microsoft.com/office/powerpoint/2010/main" val="1414190233"/>
-              </p:ext>
-            </p:extLst>
-          </p:nvPr>
-        </p:nvGraphicFramePr>
-        <p:xfrm>
-          <a:off x="182880" y="790681"/>
-          <a:ext cx="7772400" cy="4817639"/>
-        </p:xfrm>
-        <a:graphic>
-          <a:graphicData uri="http://schemas.openxmlformats.org/drawingml/2006/chart">
-            <c:chart xmlns:c="http://schemas.openxmlformats.org/drawingml/2006/chart" xmlns:r="http://schemas.openxmlformats.org/officeDocument/2006/relationships" r:id="rId2"/>
-          </a:graphicData>
-        </a:graphic>
-      </p:graphicFrame>
       <p:pic>
         <p:nvPicPr>
           <p:cNvPr id="8" name="Picture 7">
@@ -16426,7 +17152,7 @@
           <p:nvPr/>
         </p:nvPicPr>
         <p:blipFill>
-          <a:blip r:embed="rId3">
+          <a:blip r:embed="rId2">
             <a:extLst>
               <a:ext uri="{28A0092B-C50C-407E-A947-70E740481C1C}">
                 <a14:useLocalDpi xmlns:a14="http://schemas.microsoft.com/office/drawing/2010/main" val="0"/>
@@ -16447,10 +17173,137 @@
           </a:prstGeom>
         </p:spPr>
       </p:pic>
+      <p:sp>
+        <p:nvSpPr>
+          <p:cNvPr id="7" name="TextBox 6">
+            <a:extLst>
+              <a:ext uri="{FF2B5EF4-FFF2-40B4-BE49-F238E27FC236}">
+                <a16:creationId xmlns:a16="http://schemas.microsoft.com/office/drawing/2014/main" id="{50966CE9-A713-98C0-2D27-5694CEA668B4}"/>
+              </a:ext>
+            </a:extLst>
+          </p:cNvPr>
+          <p:cNvSpPr txBox="1"/>
+          <p:nvPr/>
+        </p:nvSpPr>
+        <p:spPr>
+          <a:xfrm>
+            <a:off x="383248" y="320068"/>
+            <a:ext cx="7177757" cy="523220"/>
+          </a:xfrm>
+          <a:prstGeom prst="rect">
+            <a:avLst/>
+          </a:prstGeom>
+          <a:noFill/>
+        </p:spPr>
+        <p:txBody>
+          <a:bodyPr wrap="square" rtlCol="0">
+            <a:spAutoFit/>
+          </a:bodyPr>
+          <a:lstStyle/>
+          <a:p>
+            <a:r>
+              <a:rPr lang="en-IN" sz="2800" dirty="0"/>
+              <a:t>Data Availability</a:t>
+            </a:r>
+          </a:p>
+        </p:txBody>
+      </p:sp>
+      <p:sp>
+        <p:nvSpPr>
+          <p:cNvPr id="10" name="TextBox 9">
+            <a:extLst>
+              <a:ext uri="{FF2B5EF4-FFF2-40B4-BE49-F238E27FC236}">
+                <a16:creationId xmlns:a16="http://schemas.microsoft.com/office/drawing/2014/main" id="{9178234A-BD4B-20A3-EB35-1667F592C2CF}"/>
+              </a:ext>
+            </a:extLst>
+          </p:cNvPr>
+          <p:cNvSpPr txBox="1"/>
+          <p:nvPr/>
+        </p:nvSpPr>
+        <p:spPr>
+          <a:xfrm>
+            <a:off x="7561005" y="3012244"/>
+            <a:ext cx="4267829" cy="1477328"/>
+          </a:xfrm>
+          <a:prstGeom prst="rect">
+            <a:avLst/>
+          </a:prstGeom>
+          <a:noFill/>
+        </p:spPr>
+        <p:txBody>
+          <a:bodyPr wrap="square" rtlCol="0">
+            <a:spAutoFit/>
+          </a:bodyPr>
+          <a:lstStyle/>
+          <a:p>
+            <a:r>
+              <a:rPr lang="en-IN" dirty="0"/>
+              <a:t>Yellow portion showcase the missing  data in sensors</a:t>
+            </a:r>
+          </a:p>
+          <a:p>
+            <a:pPr marL="285750" indent="-285750">
+              <a:buFont typeface="Arial" panose="020B0604020202020204" pitchFamily="34" charset="0"/>
+              <a:buChar char="•"/>
+            </a:pPr>
+            <a:endParaRPr lang="en-IN" dirty="0"/>
+          </a:p>
+          <a:p>
+            <a:pPr marL="285750" indent="-285750">
+              <a:buFont typeface="Arial" panose="020B0604020202020204" pitchFamily="34" charset="0"/>
+              <a:buChar char="•"/>
+            </a:pPr>
+            <a:endParaRPr lang="en-IN" dirty="0"/>
+          </a:p>
+          <a:p>
+            <a:pPr marL="285750" indent="-285750">
+              <a:buFont typeface="Arial" panose="020B0604020202020204" pitchFamily="34" charset="0"/>
+              <a:buChar char="•"/>
+            </a:pPr>
+            <a:endParaRPr lang="en-IN" dirty="0"/>
+          </a:p>
+        </p:txBody>
+      </p:sp>
+      <p:pic>
+        <p:nvPicPr>
+          <p:cNvPr id="3" name="Picture 2">
+            <a:extLst>
+              <a:ext uri="{FF2B5EF4-FFF2-40B4-BE49-F238E27FC236}">
+                <a16:creationId xmlns:a16="http://schemas.microsoft.com/office/drawing/2014/main" id="{52EA62F5-E567-5F20-C983-769C04967ADB}"/>
+              </a:ext>
+            </a:extLst>
+          </p:cNvPr>
+          <p:cNvPicPr>
+            <a:picLocks noChangeAspect="1"/>
+          </p:cNvPicPr>
+          <p:nvPr/>
+        </p:nvPicPr>
+        <p:blipFill>
+          <a:blip r:embed="rId3">
+            <a:extLst>
+              <a:ext uri="{28A0092B-C50C-407E-A947-70E740481C1C}">
+                <a14:useLocalDpi xmlns:a14="http://schemas.microsoft.com/office/drawing/2010/main" val="0"/>
+              </a:ext>
+            </a:extLst>
+          </a:blip>
+          <a:stretch>
+            <a:fillRect/>
+          </a:stretch>
+        </p:blipFill>
+        <p:spPr>
+          <a:xfrm>
+            <a:off x="539145" y="1301355"/>
+            <a:ext cx="6422094" cy="4703505"/>
+          </a:xfrm>
+          <a:prstGeom prst="rect">
+            <a:avLst/>
+          </a:prstGeom>
+        </p:spPr>
+      </p:pic>
     </p:spTree>
     <p:extLst>
       <p:ext uri="{BB962C8B-B14F-4D97-AF65-F5344CB8AC3E}">
-        <p14:creationId xmlns:p14="http://schemas.microsoft.com/office/powerpoint/2010/main" val="3877076417"/>
+        <p14:creationId xmlns:p14="http://schemas.microsoft.com/office/powerpoint/2010/main" val="573590314"/>
       </p:ext>
     </p:extLst>
   </p:cSld>
@@ -16460,6 +17313,284 @@
   <p:transition spd="slow">
     <p:cover/>
   </p:transition>
+</p:sld>
+</file>
+
+<file path=ppt/slides/slide9.xml><?xml version="1.0" encoding="utf-8"?>
+<p:sld xmlns:a="http://schemas.openxmlformats.org/drawingml/2006/main" xmlns:r="http://schemas.openxmlformats.org/officeDocument/2006/relationships" xmlns:p="http://schemas.openxmlformats.org/presentationml/2006/main">
+  <p:cSld>
+    <p:spTree>
+      <p:nvGrpSpPr>
+        <p:cNvPr id="1" name=""/>
+        <p:cNvGrpSpPr/>
+        <p:nvPr/>
+      </p:nvGrpSpPr>
+      <p:grpSpPr>
+        <a:xfrm>
+          <a:off x="0" y="0"/>
+          <a:ext cx="0" cy="0"/>
+          <a:chOff x="0" y="0"/>
+          <a:chExt cx="0" cy="0"/>
+        </a:xfrm>
+      </p:grpSpPr>
+      <p:pic>
+        <p:nvPicPr>
+          <p:cNvPr id="8" name="Picture 7">
+            <a:extLst>
+              <a:ext uri="{FF2B5EF4-FFF2-40B4-BE49-F238E27FC236}">
+                <a16:creationId xmlns:a16="http://schemas.microsoft.com/office/drawing/2014/main" id="{1A0097B4-E8ED-CE4B-D0B2-7CC55EDEC7B3}"/>
+              </a:ext>
+            </a:extLst>
+          </p:cNvPr>
+          <p:cNvPicPr>
+            <a:picLocks noChangeAspect="1"/>
+          </p:cNvPicPr>
+          <p:nvPr/>
+        </p:nvPicPr>
+        <p:blipFill>
+          <a:blip r:embed="rId2">
+            <a:extLst>
+              <a:ext uri="{28A0092B-C50C-407E-A947-70E740481C1C}">
+                <a14:useLocalDpi xmlns:a14="http://schemas.microsoft.com/office/drawing/2010/main" val="0"/>
+              </a:ext>
+            </a:extLst>
+          </a:blip>
+          <a:stretch>
+            <a:fillRect/>
+          </a:stretch>
+        </p:blipFill>
+        <p:spPr>
+          <a:xfrm>
+            <a:off x="10866005" y="6217865"/>
+            <a:ext cx="1325995" cy="640135"/>
+          </a:xfrm>
+          <a:prstGeom prst="rect">
+            <a:avLst/>
+          </a:prstGeom>
+        </p:spPr>
+      </p:pic>
+      <p:pic>
+        <p:nvPicPr>
+          <p:cNvPr id="1026" name="Picture 2">
+            <a:extLst>
+              <a:ext uri="{FF2B5EF4-FFF2-40B4-BE49-F238E27FC236}">
+                <a16:creationId xmlns:a16="http://schemas.microsoft.com/office/drawing/2014/main" id="{029546C0-26B9-B370-79E3-1814DF3C73BC}"/>
+              </a:ext>
+            </a:extLst>
+          </p:cNvPr>
+          <p:cNvPicPr>
+            <a:picLocks noChangeAspect="1" noChangeArrowheads="1"/>
+          </p:cNvPicPr>
+          <p:nvPr/>
+        </p:nvPicPr>
+        <p:blipFill rotWithShape="1">
+          <a:blip r:embed="rId3">
+            <a:extLst>
+              <a:ext uri="{28A0092B-C50C-407E-A947-70E740481C1C}">
+                <a14:useLocalDpi xmlns:a14="http://schemas.microsoft.com/office/drawing/2010/main" val="0"/>
+              </a:ext>
+            </a:extLst>
+          </a:blip>
+          <a:srcRect t="383"/>
+          <a:stretch/>
+        </p:blipFill>
+        <p:spPr bwMode="auto">
+          <a:xfrm>
+            <a:off x="294968" y="980280"/>
+            <a:ext cx="6705600" cy="4603923"/>
+          </a:xfrm>
+          <a:prstGeom prst="rect">
+            <a:avLst/>
+          </a:prstGeom>
+          <a:noFill/>
+          <a:extLst>
+            <a:ext uri="{909E8E84-426E-40DD-AFC4-6F175D3DCCD1}">
+              <a14:hiddenFill xmlns:a14="http://schemas.microsoft.com/office/drawing/2010/main">
+                <a:solidFill>
+                  <a:srgbClr val="FFFFFF"/>
+                </a:solidFill>
+              </a14:hiddenFill>
+            </a:ext>
+          </a:extLst>
+        </p:spPr>
+      </p:pic>
+      <p:sp>
+        <p:nvSpPr>
+          <p:cNvPr id="7" name="TextBox 6">
+            <a:extLst>
+              <a:ext uri="{FF2B5EF4-FFF2-40B4-BE49-F238E27FC236}">
+                <a16:creationId xmlns:a16="http://schemas.microsoft.com/office/drawing/2014/main" id="{50966CE9-A713-98C0-2D27-5694CEA668B4}"/>
+              </a:ext>
+            </a:extLst>
+          </p:cNvPr>
+          <p:cNvSpPr txBox="1"/>
+          <p:nvPr/>
+        </p:nvSpPr>
+        <p:spPr>
+          <a:xfrm>
+            <a:off x="383248" y="320068"/>
+            <a:ext cx="7177757" cy="523220"/>
+          </a:xfrm>
+          <a:prstGeom prst="rect">
+            <a:avLst/>
+          </a:prstGeom>
+          <a:noFill/>
+        </p:spPr>
+        <p:txBody>
+          <a:bodyPr wrap="square" rtlCol="0">
+            <a:spAutoFit/>
+          </a:bodyPr>
+          <a:lstStyle/>
+          <a:p>
+            <a:r>
+              <a:rPr lang="en-IN" sz="2800" dirty="0"/>
+              <a:t>Inference of Wind Speed with Height</a:t>
+            </a:r>
+          </a:p>
+        </p:txBody>
+      </p:sp>
+      <p:sp>
+        <p:nvSpPr>
+          <p:cNvPr id="10" name="TextBox 9">
+            <a:extLst>
+              <a:ext uri="{FF2B5EF4-FFF2-40B4-BE49-F238E27FC236}">
+                <a16:creationId xmlns:a16="http://schemas.microsoft.com/office/drawing/2014/main" id="{9178234A-BD4B-20A3-EB35-1667F592C2CF}"/>
+              </a:ext>
+            </a:extLst>
+          </p:cNvPr>
+          <p:cNvSpPr txBox="1"/>
+          <p:nvPr/>
+        </p:nvSpPr>
+        <p:spPr>
+          <a:xfrm>
+            <a:off x="7561005" y="2136338"/>
+            <a:ext cx="4267829" cy="2585323"/>
+          </a:xfrm>
+          <a:prstGeom prst="rect">
+            <a:avLst/>
+          </a:prstGeom>
+          <a:noFill/>
+        </p:spPr>
+        <p:txBody>
+          <a:bodyPr wrap="square" rtlCol="0">
+            <a:spAutoFit/>
+          </a:bodyPr>
+          <a:lstStyle/>
+          <a:p>
+            <a:pPr marL="285750" indent="-285750">
+              <a:buFont typeface="Arial" panose="020B0604020202020204" pitchFamily="34" charset="0"/>
+              <a:buChar char="•"/>
+            </a:pPr>
+            <a:r>
+              <a:rPr lang="en-IN" dirty="0"/>
+              <a:t>Wind speed in this region is seasonal</a:t>
+            </a:r>
+          </a:p>
+          <a:p>
+            <a:pPr marL="285750" indent="-285750">
+              <a:buFont typeface="Arial" panose="020B0604020202020204" pitchFamily="34" charset="0"/>
+              <a:buChar char="•"/>
+            </a:pPr>
+            <a:r>
+              <a:rPr lang="en-IN" dirty="0"/>
+              <a:t>May to August is a high wind season</a:t>
+            </a:r>
+          </a:p>
+          <a:p>
+            <a:pPr marL="285750" indent="-285750">
+              <a:buFont typeface="Arial" panose="020B0604020202020204" pitchFamily="34" charset="0"/>
+              <a:buChar char="•"/>
+            </a:pPr>
+            <a:r>
+              <a:rPr lang="en-IN" dirty="0"/>
+              <a:t>Wind speed increases as the height increases</a:t>
+            </a:r>
+          </a:p>
+          <a:p>
+            <a:pPr marL="285750" indent="-285750">
+              <a:buFont typeface="Arial" panose="020B0604020202020204" pitchFamily="34" charset="0"/>
+              <a:buChar char="•"/>
+            </a:pPr>
+            <a:r>
+              <a:rPr lang="en-IN" dirty="0"/>
+              <a:t>100m sensor readings seemed to be erroneous, hence discarding it in further analysis</a:t>
+            </a:r>
+          </a:p>
+          <a:p>
+            <a:pPr marL="285750" indent="-285750">
+              <a:buFont typeface="Arial" panose="020B0604020202020204" pitchFamily="34" charset="0"/>
+              <a:buChar char="•"/>
+            </a:pPr>
+            <a:endParaRPr lang="en-IN" dirty="0"/>
+          </a:p>
+          <a:p>
+            <a:pPr marL="285750" indent="-285750">
+              <a:buFont typeface="Arial" panose="020B0604020202020204" pitchFamily="34" charset="0"/>
+              <a:buChar char="•"/>
+            </a:pPr>
+            <a:endParaRPr lang="en-IN" dirty="0"/>
+          </a:p>
+        </p:txBody>
+      </p:sp>
+      <p:sp>
+        <p:nvSpPr>
+          <p:cNvPr id="11" name="TextBox 10">
+            <a:extLst>
+              <a:ext uri="{FF2B5EF4-FFF2-40B4-BE49-F238E27FC236}">
+                <a16:creationId xmlns:a16="http://schemas.microsoft.com/office/drawing/2014/main" id="{476E0DEB-74AC-C891-B558-72E5095515A5}"/>
+              </a:ext>
+            </a:extLst>
+          </p:cNvPr>
+          <p:cNvSpPr txBox="1"/>
+          <p:nvPr/>
+        </p:nvSpPr>
+        <p:spPr>
+          <a:xfrm>
+            <a:off x="3383280" y="5536529"/>
+            <a:ext cx="686406" cy="276999"/>
+          </a:xfrm>
+          <a:prstGeom prst="rect">
+            <a:avLst/>
+          </a:prstGeom>
+          <a:solidFill>
+            <a:schemeClr val="bg1"/>
+          </a:solidFill>
+        </p:spPr>
+        <p:txBody>
+          <a:bodyPr wrap="none" rtlCol="0">
+            <a:spAutoFit/>
+          </a:bodyPr>
+          <a:lstStyle/>
+          <a:p>
+            <a:r>
+              <a:rPr lang="en-IN" sz="1200" dirty="0"/>
+              <a:t>Months</a:t>
+            </a:r>
+          </a:p>
+        </p:txBody>
+      </p:sp>
+    </p:spTree>
+    <p:extLst>
+      <p:ext uri="{BB962C8B-B14F-4D97-AF65-F5344CB8AC3E}">
+        <p14:creationId xmlns:p14="http://schemas.microsoft.com/office/powerpoint/2010/main" val="593819461"/>
+      </p:ext>
+    </p:extLst>
+  </p:cSld>
+  <p:clrMapOvr>
+    <a:masterClrMapping/>
+  </p:clrMapOvr>
+  <mc:AlternateContent xmlns:mc="http://schemas.openxmlformats.org/markup-compatibility/2006">
+    <mc:Choice xmlns:p14="http://schemas.microsoft.com/office/powerpoint/2010/main" Requires="p14">
+      <p:transition spd="med" p14:dur="700">
+        <p:fade/>
+      </p:transition>
+    </mc:Choice>
+    <mc:Fallback>
+      <p:transition spd="med">
+        <p:fade/>
+      </p:transition>
+    </mc:Fallback>
+  </mc:AlternateContent>
 </p:sld>
 </file>
 
